--- a/units/3/lessons/5/resources/petascale-lesson-3.5-slides.pptx
+++ b/units/3/lessons/5/resources/petascale-lesson-3.5-slides.pptx
@@ -7,7 +7,7 @@
   </p:sldMasterIdLst>
   <p:sldIdLst>
     <p:sldId id="267" r:id="rId3"/>
-    <p:sldId id="268" r:id="rId4"/>
+    <p:sldId id="269" r:id="rId4"/>
     <p:sldId id="259" r:id="rId5"/>
     <p:sldId id="261" r:id="rId6"/>
     <p:sldId id="265" r:id="rId7"/>
@@ -8917,7 +8917,7 @@
           <a:p>
             <a:fld id="{A8C22AD1-1990-4D77-83F6-A29207A4847A}" type="datetimeFigureOut">
               <a:rPr lang="en-US" smtClean="0"/>
-              <a:t>9/12/20</a:t>
+              <a:t>10/11/20</a:t>
             </a:fld>
             <a:endParaRPr lang="en-US"/>
           </a:p>
@@ -9124,7 +9124,7 @@
           <a:p>
             <a:fld id="{A8C22AD1-1990-4D77-83F6-A29207A4847A}" type="datetimeFigureOut">
               <a:rPr lang="en-US" smtClean="0"/>
-              <a:t>9/12/20</a:t>
+              <a:t>10/11/20</a:t>
             </a:fld>
             <a:endParaRPr lang="en-US"/>
           </a:p>
@@ -9304,7 +9304,7 @@
           <a:p>
             <a:fld id="{A8C22AD1-1990-4D77-83F6-A29207A4847A}" type="datetimeFigureOut">
               <a:rPr lang="en-US" smtClean="0"/>
-              <a:t>9/12/20</a:t>
+              <a:t>10/11/20</a:t>
             </a:fld>
             <a:endParaRPr lang="en-US"/>
           </a:p>
@@ -12382,7 +12382,7 @@
           <a:p>
             <a:fld id="{A8C22AD1-1990-4D77-83F6-A29207A4847A}" type="datetimeFigureOut">
               <a:rPr lang="en-US" smtClean="0"/>
-              <a:t>9/12/20</a:t>
+              <a:t>10/11/20</a:t>
             </a:fld>
             <a:endParaRPr lang="en-US"/>
           </a:p>
@@ -21896,7 +21896,7 @@
           <a:p>
             <a:fld id="{A8C22AD1-1990-4D77-83F6-A29207A4847A}" type="datetimeFigureOut">
               <a:rPr lang="en-US" smtClean="0"/>
-              <a:t>9/12/20</a:t>
+              <a:t>10/11/20</a:t>
             </a:fld>
             <a:endParaRPr lang="en-US"/>
           </a:p>
@@ -22170,7 +22170,7 @@
           <a:p>
             <a:fld id="{A8C22AD1-1990-4D77-83F6-A29207A4847A}" type="datetimeFigureOut">
               <a:rPr lang="en-US" smtClean="0"/>
-              <a:t>9/12/20</a:t>
+              <a:t>10/11/20</a:t>
             </a:fld>
             <a:endParaRPr lang="en-US"/>
           </a:p>
@@ -22568,7 +22568,7 @@
           <a:p>
             <a:fld id="{A8C22AD1-1990-4D77-83F6-A29207A4847A}" type="datetimeFigureOut">
               <a:rPr lang="en-US" smtClean="0"/>
-              <a:t>9/12/20</a:t>
+              <a:t>10/11/20</a:t>
             </a:fld>
             <a:endParaRPr lang="en-US"/>
           </a:p>
@@ -22686,7 +22686,7 @@
           <a:p>
             <a:fld id="{A8C22AD1-1990-4D77-83F6-A29207A4847A}" type="datetimeFigureOut">
               <a:rPr lang="en-US" smtClean="0"/>
-              <a:t>9/12/20</a:t>
+              <a:t>10/11/20</a:t>
             </a:fld>
             <a:endParaRPr lang="en-US"/>
           </a:p>
@@ -22781,7 +22781,7 @@
           <a:p>
             <a:fld id="{A8C22AD1-1990-4D77-83F6-A29207A4847A}" type="datetimeFigureOut">
               <a:rPr lang="en-US" smtClean="0"/>
-              <a:t>9/12/20</a:t>
+              <a:t>10/11/20</a:t>
             </a:fld>
             <a:endParaRPr lang="en-US"/>
           </a:p>
@@ -23071,7 +23071,7 @@
           <a:p>
             <a:fld id="{A8C22AD1-1990-4D77-83F6-A29207A4847A}" type="datetimeFigureOut">
               <a:rPr lang="en-US" smtClean="0"/>
-              <a:t>9/12/20</a:t>
+              <a:t>10/11/20</a:t>
             </a:fld>
             <a:endParaRPr lang="en-US"/>
           </a:p>
@@ -23351,7 +23351,7 @@
           <a:p>
             <a:fld id="{A8C22AD1-1990-4D77-83F6-A29207A4847A}" type="datetimeFigureOut">
               <a:rPr lang="en-US" smtClean="0"/>
-              <a:t>9/12/20</a:t>
+              <a:t>10/11/20</a:t>
             </a:fld>
             <a:endParaRPr lang="en-US"/>
           </a:p>
@@ -23601,7 +23601,7 @@
           <a:p>
             <a:fld id="{A8C22AD1-1990-4D77-83F6-A29207A4847A}" type="datetimeFigureOut">
               <a:rPr lang="en-US" smtClean="0"/>
-              <a:t>9/12/20</a:t>
+              <a:t>10/11/20</a:t>
             </a:fld>
             <a:endParaRPr lang="en-US"/>
           </a:p>
@@ -25590,7 +25590,7 @@
           <p:cNvPr id="2" name="Title 1">
             <a:extLst>
               <a:ext uri="{FF2B5EF4-FFF2-40B4-BE49-F238E27FC236}">
-                <a16:creationId xmlns="" xmlns:a16="http://schemas.microsoft.com/office/drawing/2014/main" id="{179774CA-BB34-4FFA-919B-FC3D242B49ED}"/>
+                <a16:creationId xmlns:a16="http://schemas.microsoft.com/office/drawing/2014/main" xmlns="" id="{179774CA-BB34-4FFA-919B-FC3D242B49ED}"/>
               </a:ext>
             </a:extLst>
           </p:cNvPr>
@@ -25618,7 +25618,7 @@
           <p:cNvPr id="4" name="Content Placeholder 2">
             <a:extLst>
               <a:ext uri="{FF2B5EF4-FFF2-40B4-BE49-F238E27FC236}">
-                <a16:creationId xmlns="" xmlns:a16="http://schemas.microsoft.com/office/drawing/2014/main" id="{4771BFBC-789B-45D3-A3E1-AE2B4C23B2AA}"/>
+                <a16:creationId xmlns:a16="http://schemas.microsoft.com/office/drawing/2014/main" xmlns="" id="{4771BFBC-789B-45D3-A3E1-AE2B4C23B2AA}"/>
               </a:ext>
             </a:extLst>
           </p:cNvPr>
@@ -25865,7 +25865,7 @@
           <p:cNvPr id="8" name="Group 7">
             <a:extLst>
               <a:ext uri="{FF2B5EF4-FFF2-40B4-BE49-F238E27FC236}">
-                <a16:creationId xmlns="" xmlns:a16="http://schemas.microsoft.com/office/drawing/2014/main" id="{17425A79-BF59-4315-98C7-5C8C0E6EE859}"/>
+                <a16:creationId xmlns:a16="http://schemas.microsoft.com/office/drawing/2014/main" xmlns="" id="{17425A79-BF59-4315-98C7-5C8C0E6EE859}"/>
               </a:ext>
             </a:extLst>
           </p:cNvPr>
@@ -25885,7 +25885,7 @@
             <p:cNvPr id="10" name="TextBox 9">
               <a:extLst>
                 <a:ext uri="{FF2B5EF4-FFF2-40B4-BE49-F238E27FC236}">
-                  <a16:creationId xmlns="" xmlns:a16="http://schemas.microsoft.com/office/drawing/2014/main" id="{DE1ABB56-F304-48BA-9F36-57511CBDAD16}"/>
+                  <a16:creationId xmlns:a16="http://schemas.microsoft.com/office/drawing/2014/main" xmlns="" id="{DE1ABB56-F304-48BA-9F36-57511CBDAD16}"/>
                 </a:ext>
               </a:extLst>
             </p:cNvPr>
@@ -25921,7 +25921,7 @@
             <p:cNvPr id="12" name="Group 11">
               <a:extLst>
                 <a:ext uri="{FF2B5EF4-FFF2-40B4-BE49-F238E27FC236}">
-                  <a16:creationId xmlns="" xmlns:a16="http://schemas.microsoft.com/office/drawing/2014/main" id="{A77FD45B-FC91-45E9-9E5C-4468F831C3CC}"/>
+                  <a16:creationId xmlns:a16="http://schemas.microsoft.com/office/drawing/2014/main" xmlns="" id="{A77FD45B-FC91-45E9-9E5C-4468F831C3CC}"/>
                 </a:ext>
               </a:extLst>
             </p:cNvPr>
@@ -25941,7 +25941,7 @@
               <p:cNvPr id="13" name="Rectangle 12">
                 <a:extLst>
                   <a:ext uri="{FF2B5EF4-FFF2-40B4-BE49-F238E27FC236}">
-                    <a16:creationId xmlns="" xmlns:a16="http://schemas.microsoft.com/office/drawing/2014/main" id="{F3647C2F-03C0-492A-970B-A81AC148D459}"/>
+                    <a16:creationId xmlns:a16="http://schemas.microsoft.com/office/drawing/2014/main" xmlns="" id="{F3647C2F-03C0-492A-970B-A81AC148D459}"/>
                   </a:ext>
                 </a:extLst>
               </p:cNvPr>
@@ -25993,7 +25993,7 @@
               <p:cNvPr id="14" name="TextBox 13">
                 <a:extLst>
                   <a:ext uri="{FF2B5EF4-FFF2-40B4-BE49-F238E27FC236}">
-                    <a16:creationId xmlns="" xmlns:a16="http://schemas.microsoft.com/office/drawing/2014/main" id="{501B9B99-71D1-4260-8105-E29A9C967B14}"/>
+                    <a16:creationId xmlns:a16="http://schemas.microsoft.com/office/drawing/2014/main" xmlns="" id="{501B9B99-71D1-4260-8105-E29A9C967B14}"/>
                   </a:ext>
                 </a:extLst>
               </p:cNvPr>
@@ -26029,7 +26029,7 @@
               <p:cNvPr id="15" name="Rectangle: Rounded Corners 14">
                 <a:extLst>
                   <a:ext uri="{FF2B5EF4-FFF2-40B4-BE49-F238E27FC236}">
-                    <a16:creationId xmlns="" xmlns:a16="http://schemas.microsoft.com/office/drawing/2014/main" id="{25217B04-83D3-40EA-A8FB-56AC267626E4}"/>
+                    <a16:creationId xmlns:a16="http://schemas.microsoft.com/office/drawing/2014/main" xmlns="" id="{25217B04-83D3-40EA-A8FB-56AC267626E4}"/>
                   </a:ext>
                 </a:extLst>
               </p:cNvPr>
@@ -26075,7 +26075,7 @@
               <p:cNvPr id="16" name="Rectangle: Rounded Corners 15">
                 <a:extLst>
                   <a:ext uri="{FF2B5EF4-FFF2-40B4-BE49-F238E27FC236}">
-                    <a16:creationId xmlns="" xmlns:a16="http://schemas.microsoft.com/office/drawing/2014/main" id="{431DAC52-F424-4457-86E4-A0D5C8B6FA9C}"/>
+                    <a16:creationId xmlns:a16="http://schemas.microsoft.com/office/drawing/2014/main" xmlns="" id="{431DAC52-F424-4457-86E4-A0D5C8B6FA9C}"/>
                   </a:ext>
                 </a:extLst>
               </p:cNvPr>
@@ -26121,7 +26121,7 @@
               <p:cNvPr id="17" name="TextBox 16">
                 <a:extLst>
                   <a:ext uri="{FF2B5EF4-FFF2-40B4-BE49-F238E27FC236}">
-                    <a16:creationId xmlns="" xmlns:a16="http://schemas.microsoft.com/office/drawing/2014/main" id="{9A7C84F7-3E53-4345-B0C1-08A3D6FD8EA5}"/>
+                    <a16:creationId xmlns:a16="http://schemas.microsoft.com/office/drawing/2014/main" xmlns="" id="{9A7C84F7-3E53-4345-B0C1-08A3D6FD8EA5}"/>
                   </a:ext>
                 </a:extLst>
               </p:cNvPr>
@@ -26157,7 +26157,7 @@
               <p:cNvPr id="18" name="TextBox 17">
                 <a:extLst>
                   <a:ext uri="{FF2B5EF4-FFF2-40B4-BE49-F238E27FC236}">
-                    <a16:creationId xmlns="" xmlns:a16="http://schemas.microsoft.com/office/drawing/2014/main" id="{E719B1F0-77E8-42E0-AAC0-FE832A8BCC11}"/>
+                    <a16:creationId xmlns:a16="http://schemas.microsoft.com/office/drawing/2014/main" xmlns="" id="{E719B1F0-77E8-42E0-AAC0-FE832A8BCC11}"/>
                   </a:ext>
                 </a:extLst>
               </p:cNvPr>
@@ -26193,7 +26193,7 @@
               <p:cNvPr id="19" name="TextBox 18">
                 <a:extLst>
                   <a:ext uri="{FF2B5EF4-FFF2-40B4-BE49-F238E27FC236}">
-                    <a16:creationId xmlns="" xmlns:a16="http://schemas.microsoft.com/office/drawing/2014/main" id="{44DBB174-5F58-4265-A5C0-CBADF37B08D6}"/>
+                    <a16:creationId xmlns:a16="http://schemas.microsoft.com/office/drawing/2014/main" xmlns="" id="{44DBB174-5F58-4265-A5C0-CBADF37B08D6}"/>
                   </a:ext>
                 </a:extLst>
               </p:cNvPr>
@@ -26229,7 +26229,7 @@
               <p:cNvPr id="20" name="Rectangle: Rounded Corners 19">
                 <a:extLst>
                   <a:ext uri="{FF2B5EF4-FFF2-40B4-BE49-F238E27FC236}">
-                    <a16:creationId xmlns="" xmlns:a16="http://schemas.microsoft.com/office/drawing/2014/main" id="{73186248-1ED3-4EC7-A9B0-7E1092FB56B6}"/>
+                    <a16:creationId xmlns:a16="http://schemas.microsoft.com/office/drawing/2014/main" xmlns="" id="{73186248-1ED3-4EC7-A9B0-7E1092FB56B6}"/>
                   </a:ext>
                 </a:extLst>
               </p:cNvPr>
@@ -26281,7 +26281,7 @@
               <p:cNvPr id="21" name="Rectangle: Rounded Corners 20">
                 <a:extLst>
                   <a:ext uri="{FF2B5EF4-FFF2-40B4-BE49-F238E27FC236}">
-                    <a16:creationId xmlns="" xmlns:a16="http://schemas.microsoft.com/office/drawing/2014/main" id="{8F81DEB2-2978-43E3-B401-F1802E534595}"/>
+                    <a16:creationId xmlns:a16="http://schemas.microsoft.com/office/drawing/2014/main" xmlns="" id="{8F81DEB2-2978-43E3-B401-F1802E534595}"/>
                   </a:ext>
                 </a:extLst>
               </p:cNvPr>
@@ -26333,7 +26333,7 @@
               <p:cNvPr id="22" name="Rectangle: Rounded Corners 21">
                 <a:extLst>
                   <a:ext uri="{FF2B5EF4-FFF2-40B4-BE49-F238E27FC236}">
-                    <a16:creationId xmlns="" xmlns:a16="http://schemas.microsoft.com/office/drawing/2014/main" id="{FB9AE661-B2BE-44DE-8C39-63264866FFA7}"/>
+                    <a16:creationId xmlns:a16="http://schemas.microsoft.com/office/drawing/2014/main" xmlns="" id="{FB9AE661-B2BE-44DE-8C39-63264866FFA7}"/>
                   </a:ext>
                 </a:extLst>
               </p:cNvPr>
@@ -26385,7 +26385,7 @@
               <p:cNvPr id="23" name="Rectangle: Rounded Corners 22">
                 <a:extLst>
                   <a:ext uri="{FF2B5EF4-FFF2-40B4-BE49-F238E27FC236}">
-                    <a16:creationId xmlns="" xmlns:a16="http://schemas.microsoft.com/office/drawing/2014/main" id="{2A435B5B-7E9E-4E3C-9157-967D4A5F61A0}"/>
+                    <a16:creationId xmlns:a16="http://schemas.microsoft.com/office/drawing/2014/main" xmlns="" id="{2A435B5B-7E9E-4E3C-9157-967D4A5F61A0}"/>
                   </a:ext>
                 </a:extLst>
               </p:cNvPr>
@@ -26437,7 +26437,7 @@
               <p:cNvPr id="24" name="Rectangle: Rounded Corners 23">
                 <a:extLst>
                   <a:ext uri="{FF2B5EF4-FFF2-40B4-BE49-F238E27FC236}">
-                    <a16:creationId xmlns="" xmlns:a16="http://schemas.microsoft.com/office/drawing/2014/main" id="{4B313C10-49C9-4D47-B8A0-83E27843A6E0}"/>
+                    <a16:creationId xmlns:a16="http://schemas.microsoft.com/office/drawing/2014/main" xmlns="" id="{4B313C10-49C9-4D47-B8A0-83E27843A6E0}"/>
                   </a:ext>
                 </a:extLst>
               </p:cNvPr>
@@ -26489,7 +26489,7 @@
               <p:cNvPr id="25" name="Rectangle: Rounded Corners 24">
                 <a:extLst>
                   <a:ext uri="{FF2B5EF4-FFF2-40B4-BE49-F238E27FC236}">
-                    <a16:creationId xmlns="" xmlns:a16="http://schemas.microsoft.com/office/drawing/2014/main" id="{FA393371-B97B-44ED-8B94-259BC4E499F8}"/>
+                    <a16:creationId xmlns:a16="http://schemas.microsoft.com/office/drawing/2014/main" xmlns="" id="{FA393371-B97B-44ED-8B94-259BC4E499F8}"/>
                   </a:ext>
                 </a:extLst>
               </p:cNvPr>
@@ -26541,7 +26541,7 @@
               <p:cNvPr id="26" name="Rectangle: Rounded Corners 25">
                 <a:extLst>
                   <a:ext uri="{FF2B5EF4-FFF2-40B4-BE49-F238E27FC236}">
-                    <a16:creationId xmlns="" xmlns:a16="http://schemas.microsoft.com/office/drawing/2014/main" id="{7DEBB1EF-2B2C-4041-A3EE-C1D87119ED63}"/>
+                    <a16:creationId xmlns:a16="http://schemas.microsoft.com/office/drawing/2014/main" xmlns="" id="{7DEBB1EF-2B2C-4041-A3EE-C1D87119ED63}"/>
                   </a:ext>
                 </a:extLst>
               </p:cNvPr>
@@ -26593,7 +26593,7 @@
               <p:cNvPr id="27" name="Rectangle: Rounded Corners 26">
                 <a:extLst>
                   <a:ext uri="{FF2B5EF4-FFF2-40B4-BE49-F238E27FC236}">
-                    <a16:creationId xmlns="" xmlns:a16="http://schemas.microsoft.com/office/drawing/2014/main" id="{0990BF64-B7DB-4EAD-8591-5EC36667EE50}"/>
+                    <a16:creationId xmlns:a16="http://schemas.microsoft.com/office/drawing/2014/main" xmlns="" id="{0990BF64-B7DB-4EAD-8591-5EC36667EE50}"/>
                   </a:ext>
                 </a:extLst>
               </p:cNvPr>
@@ -26645,7 +26645,7 @@
               <p:cNvPr id="28" name="Rectangle: Rounded Corners 27">
                 <a:extLst>
                   <a:ext uri="{FF2B5EF4-FFF2-40B4-BE49-F238E27FC236}">
-                    <a16:creationId xmlns="" xmlns:a16="http://schemas.microsoft.com/office/drawing/2014/main" id="{9B5CBC52-393A-409B-93D7-DF54158C3D44}"/>
+                    <a16:creationId xmlns:a16="http://schemas.microsoft.com/office/drawing/2014/main" xmlns="" id="{9B5CBC52-393A-409B-93D7-DF54158C3D44}"/>
                   </a:ext>
                 </a:extLst>
               </p:cNvPr>
@@ -26697,7 +26697,7 @@
               <p:cNvPr id="29" name="Rectangle: Rounded Corners 28">
                 <a:extLst>
                   <a:ext uri="{FF2B5EF4-FFF2-40B4-BE49-F238E27FC236}">
-                    <a16:creationId xmlns="" xmlns:a16="http://schemas.microsoft.com/office/drawing/2014/main" id="{0FFD4A7E-7F10-4FDE-BC64-FE29E59C243D}"/>
+                    <a16:creationId xmlns:a16="http://schemas.microsoft.com/office/drawing/2014/main" xmlns="" id="{0FFD4A7E-7F10-4FDE-BC64-FE29E59C243D}"/>
                   </a:ext>
                 </a:extLst>
               </p:cNvPr>
@@ -26749,7 +26749,7 @@
               <p:cNvPr id="30" name="Rectangle: Rounded Corners 29">
                 <a:extLst>
                   <a:ext uri="{FF2B5EF4-FFF2-40B4-BE49-F238E27FC236}">
-                    <a16:creationId xmlns="" xmlns:a16="http://schemas.microsoft.com/office/drawing/2014/main" id="{23795C81-F821-4149-84D8-46CC080D6B5F}"/>
+                    <a16:creationId xmlns:a16="http://schemas.microsoft.com/office/drawing/2014/main" xmlns="" id="{23795C81-F821-4149-84D8-46CC080D6B5F}"/>
                   </a:ext>
                 </a:extLst>
               </p:cNvPr>
@@ -26801,7 +26801,7 @@
               <p:cNvPr id="31" name="Rectangle: Rounded Corners 30">
                 <a:extLst>
                   <a:ext uri="{FF2B5EF4-FFF2-40B4-BE49-F238E27FC236}">
-                    <a16:creationId xmlns="" xmlns:a16="http://schemas.microsoft.com/office/drawing/2014/main" id="{8B1BC768-0396-480D-A658-1E756263B23A}"/>
+                    <a16:creationId xmlns:a16="http://schemas.microsoft.com/office/drawing/2014/main" xmlns="" id="{8B1BC768-0396-480D-A658-1E756263B23A}"/>
                   </a:ext>
                 </a:extLst>
               </p:cNvPr>
@@ -26853,7 +26853,7 @@
               <p:cNvPr id="32" name="TextBox 31">
                 <a:extLst>
                   <a:ext uri="{FF2B5EF4-FFF2-40B4-BE49-F238E27FC236}">
-                    <a16:creationId xmlns="" xmlns:a16="http://schemas.microsoft.com/office/drawing/2014/main" id="{913DEDD2-F389-4D42-B69D-BAD3548701D7}"/>
+                    <a16:creationId xmlns:a16="http://schemas.microsoft.com/office/drawing/2014/main" xmlns="" id="{913DEDD2-F389-4D42-B69D-BAD3548701D7}"/>
                   </a:ext>
                 </a:extLst>
               </p:cNvPr>
@@ -26888,7 +26888,7 @@
               <p:cNvPr id="33" name="TextBox 32">
                 <a:extLst>
                   <a:ext uri="{FF2B5EF4-FFF2-40B4-BE49-F238E27FC236}">
-                    <a16:creationId xmlns="" xmlns:a16="http://schemas.microsoft.com/office/drawing/2014/main" id="{5DADD7DF-9AC7-4FE4-AF58-741D02ED0833}"/>
+                    <a16:creationId xmlns:a16="http://schemas.microsoft.com/office/drawing/2014/main" xmlns="" id="{5DADD7DF-9AC7-4FE4-AF58-741D02ED0833}"/>
                   </a:ext>
                 </a:extLst>
               </p:cNvPr>
@@ -26925,7 +26925,7 @@
           <p:cNvPr id="34" name="Rectangle 33">
             <a:extLst>
               <a:ext uri="{FF2B5EF4-FFF2-40B4-BE49-F238E27FC236}">
-                <a16:creationId xmlns="" xmlns:a16="http://schemas.microsoft.com/office/drawing/2014/main" id="{94F3B56B-9763-4A27-A11B-E6C120EB3787}"/>
+                <a16:creationId xmlns:a16="http://schemas.microsoft.com/office/drawing/2014/main" xmlns="" id="{94F3B56B-9763-4A27-A11B-E6C120EB3787}"/>
               </a:ext>
             </a:extLst>
           </p:cNvPr>
@@ -26977,7 +26977,7 @@
           <p:cNvPr id="36" name="Straight Connector 35">
             <a:extLst>
               <a:ext uri="{FF2B5EF4-FFF2-40B4-BE49-F238E27FC236}">
-                <a16:creationId xmlns="" xmlns:a16="http://schemas.microsoft.com/office/drawing/2014/main" id="{8E63B49E-AAD0-4DC3-B62C-3DB6C1569F5C}"/>
+                <a16:creationId xmlns:a16="http://schemas.microsoft.com/office/drawing/2014/main" xmlns="" id="{8E63B49E-AAD0-4DC3-B62C-3DB6C1569F5C}"/>
               </a:ext>
             </a:extLst>
           </p:cNvPr>
@@ -27020,7 +27020,7 @@
           <p:cNvPr id="38" name="Straight Connector 37">
             <a:extLst>
               <a:ext uri="{FF2B5EF4-FFF2-40B4-BE49-F238E27FC236}">
-                <a16:creationId xmlns="" xmlns:a16="http://schemas.microsoft.com/office/drawing/2014/main" id="{5D38BA03-B02C-44A7-8DF8-D58E7969C816}"/>
+                <a16:creationId xmlns:a16="http://schemas.microsoft.com/office/drawing/2014/main" xmlns="" id="{5D38BA03-B02C-44A7-8DF8-D58E7969C816}"/>
               </a:ext>
             </a:extLst>
           </p:cNvPr>
@@ -27063,7 +27063,7 @@
           <p:cNvPr id="40" name="Rectangle: Rounded Corners 39">
             <a:extLst>
               <a:ext uri="{FF2B5EF4-FFF2-40B4-BE49-F238E27FC236}">
-                <a16:creationId xmlns="" xmlns:a16="http://schemas.microsoft.com/office/drawing/2014/main" id="{6F679B4F-25DC-4758-8AB1-1F791C29CE14}"/>
+                <a16:creationId xmlns:a16="http://schemas.microsoft.com/office/drawing/2014/main" xmlns="" id="{6F679B4F-25DC-4758-8AB1-1F791C29CE14}"/>
               </a:ext>
             </a:extLst>
           </p:cNvPr>
@@ -27115,7 +27115,7 @@
           <p:cNvPr id="45" name="TextBox 44">
             <a:extLst>
               <a:ext uri="{FF2B5EF4-FFF2-40B4-BE49-F238E27FC236}">
-                <a16:creationId xmlns="" xmlns:a16="http://schemas.microsoft.com/office/drawing/2014/main" id="{E3564A00-DF01-4F16-94D8-75348ACF4BD5}"/>
+                <a16:creationId xmlns:a16="http://schemas.microsoft.com/office/drawing/2014/main" xmlns="" id="{E3564A00-DF01-4F16-94D8-75348ACF4BD5}"/>
               </a:ext>
             </a:extLst>
           </p:cNvPr>
@@ -27151,7 +27151,7 @@
           <p:cNvPr id="51" name="TextBox 50">
             <a:extLst>
               <a:ext uri="{FF2B5EF4-FFF2-40B4-BE49-F238E27FC236}">
-                <a16:creationId xmlns="" xmlns:a16="http://schemas.microsoft.com/office/drawing/2014/main" id="{34C0A5B3-D3C3-4B6E-9FAD-63910F1DE6E5}"/>
+                <a16:creationId xmlns:a16="http://schemas.microsoft.com/office/drawing/2014/main" xmlns="" id="{34C0A5B3-D3C3-4B6E-9FAD-63910F1DE6E5}"/>
               </a:ext>
             </a:extLst>
           </p:cNvPr>
@@ -27186,7 +27186,7 @@
           <p:cNvPr id="52" name="Rectangle 51">
             <a:extLst>
               <a:ext uri="{FF2B5EF4-FFF2-40B4-BE49-F238E27FC236}">
-                <a16:creationId xmlns="" xmlns:a16="http://schemas.microsoft.com/office/drawing/2014/main" id="{C8CD09B5-65A5-474D-B7D6-B62ED2F3B59B}"/>
+                <a16:creationId xmlns:a16="http://schemas.microsoft.com/office/drawing/2014/main" xmlns="" id="{C8CD09B5-65A5-474D-B7D6-B62ED2F3B59B}"/>
               </a:ext>
             </a:extLst>
           </p:cNvPr>
@@ -27239,7 +27239,7 @@
           <p:cNvPr id="54" name="Rectangle 53">
             <a:extLst>
               <a:ext uri="{FF2B5EF4-FFF2-40B4-BE49-F238E27FC236}">
-                <a16:creationId xmlns="" xmlns:a16="http://schemas.microsoft.com/office/drawing/2014/main" id="{E2C2B808-4CAA-493C-B108-078E12D433FC}"/>
+                <a16:creationId xmlns:a16="http://schemas.microsoft.com/office/drawing/2014/main" xmlns="" id="{E2C2B808-4CAA-493C-B108-078E12D433FC}"/>
               </a:ext>
             </a:extLst>
           </p:cNvPr>
@@ -27292,7 +27292,7 @@
           <p:cNvPr id="60" name="Rectangle 59">
             <a:extLst>
               <a:ext uri="{FF2B5EF4-FFF2-40B4-BE49-F238E27FC236}">
-                <a16:creationId xmlns="" xmlns:a16="http://schemas.microsoft.com/office/drawing/2014/main" id="{DD5809D4-DB16-4920-ABFD-CEA7A8B6CCE9}"/>
+                <a16:creationId xmlns:a16="http://schemas.microsoft.com/office/drawing/2014/main" xmlns="" id="{DD5809D4-DB16-4920-ABFD-CEA7A8B6CCE9}"/>
               </a:ext>
             </a:extLst>
           </p:cNvPr>
@@ -27374,7 +27374,7 @@
           <p:cNvPr id="2" name="Title 1">
             <a:extLst>
               <a:ext uri="{FF2B5EF4-FFF2-40B4-BE49-F238E27FC236}">
-                <a16:creationId xmlns="" xmlns:a16="http://schemas.microsoft.com/office/drawing/2014/main" id="{179774CA-BB34-4FFA-919B-FC3D242B49ED}"/>
+                <a16:creationId xmlns:a16="http://schemas.microsoft.com/office/drawing/2014/main" xmlns="" id="{179774CA-BB34-4FFA-919B-FC3D242B49ED}"/>
               </a:ext>
             </a:extLst>
           </p:cNvPr>
@@ -27402,7 +27402,7 @@
           <p:cNvPr id="4" name="Content Placeholder 2">
             <a:extLst>
               <a:ext uri="{FF2B5EF4-FFF2-40B4-BE49-F238E27FC236}">
-                <a16:creationId xmlns="" xmlns:a16="http://schemas.microsoft.com/office/drawing/2014/main" id="{4771BFBC-789B-45D3-A3E1-AE2B4C23B2AA}"/>
+                <a16:creationId xmlns:a16="http://schemas.microsoft.com/office/drawing/2014/main" xmlns="" id="{4771BFBC-789B-45D3-A3E1-AE2B4C23B2AA}"/>
               </a:ext>
             </a:extLst>
           </p:cNvPr>
@@ -27621,7 +27621,7 @@
           <p:cNvPr id="3" name="Picture 2">
             <a:extLst>
               <a:ext uri="{FF2B5EF4-FFF2-40B4-BE49-F238E27FC236}">
-                <a16:creationId xmlns="" xmlns:a16="http://schemas.microsoft.com/office/drawing/2014/main" id="{751E9B7C-E3B8-4E55-83BC-DCC9EEAB5B04}"/>
+                <a16:creationId xmlns:a16="http://schemas.microsoft.com/office/drawing/2014/main" xmlns="" id="{751E9B7C-E3B8-4E55-83BC-DCC9EEAB5B04}"/>
               </a:ext>
             </a:extLst>
           </p:cNvPr>
@@ -27693,10 +27693,10 @@
           <p:cNvPr id="8" name="Freeform 16">
             <a:extLst>
               <a:ext uri="{FF2B5EF4-FFF2-40B4-BE49-F238E27FC236}">
-                <a16:creationId xmlns="" xmlns:a16="http://schemas.microsoft.com/office/drawing/2014/main" id="{A10C41F2-1746-4431-9B52-B9F147A896B8}"/>
+                <a16:creationId xmlns:a16="http://schemas.microsoft.com/office/drawing/2014/main" xmlns="" id="{A10C41F2-1746-4431-9B52-B9F147A896B8}"/>
               </a:ext>
               <a:ext uri="{C183D7F6-B498-43B3-948B-1728B52AA6E4}">
-                <adec:decorative xmlns="" xmlns:adec="http://schemas.microsoft.com/office/drawing/2017/decorative" val="1"/>
+                <adec:decorative xmlns:adec="http://schemas.microsoft.com/office/drawing/2017/decorative" xmlns="" val="1"/>
               </a:ext>
             </a:extLst>
           </p:cNvPr>
@@ -27813,10 +27813,10 @@
           <p:cNvPr id="10" name="Rectangle 9">
             <a:extLst>
               <a:ext uri="{FF2B5EF4-FFF2-40B4-BE49-F238E27FC236}">
-                <a16:creationId xmlns="" xmlns:a16="http://schemas.microsoft.com/office/drawing/2014/main" id="{7984928E-D694-4849-BBAD-D7C7DC405478}"/>
+                <a16:creationId xmlns:a16="http://schemas.microsoft.com/office/drawing/2014/main" xmlns="" id="{7984928E-D694-4849-BBAD-D7C7DC405478}"/>
               </a:ext>
               <a:ext uri="{C183D7F6-B498-43B3-948B-1728B52AA6E4}">
-                <adec:decorative xmlns="" xmlns:adec="http://schemas.microsoft.com/office/drawing/2017/decorative" val="1"/>
+                <adec:decorative xmlns:adec="http://schemas.microsoft.com/office/drawing/2017/decorative" xmlns="" val="1"/>
               </a:ext>
             </a:extLst>
           </p:cNvPr>
@@ -27873,7 +27873,7 @@
           <p:cNvPr id="2" name="Title 1">
             <a:extLst>
               <a:ext uri="{FF2B5EF4-FFF2-40B4-BE49-F238E27FC236}">
-                <a16:creationId xmlns="" xmlns:a16="http://schemas.microsoft.com/office/drawing/2014/main" id="{34E7F98B-E2E8-4CD9-B38F-55EEF73CF2F2}"/>
+                <a16:creationId xmlns:a16="http://schemas.microsoft.com/office/drawing/2014/main" xmlns="" id="{34E7F98B-E2E8-4CD9-B38F-55EEF73CF2F2}"/>
               </a:ext>
             </a:extLst>
           </p:cNvPr>
@@ -27912,7 +27912,7 @@
           <p:cNvPr id="3" name="Content Placeholder 2">
             <a:extLst>
               <a:ext uri="{FF2B5EF4-FFF2-40B4-BE49-F238E27FC236}">
-                <a16:creationId xmlns="" xmlns:a16="http://schemas.microsoft.com/office/drawing/2014/main" id="{5B76B708-959B-449E-88A7-FCE75F764578}"/>
+                <a16:creationId xmlns:a16="http://schemas.microsoft.com/office/drawing/2014/main" xmlns="" id="{5B76B708-959B-449E-88A7-FCE75F764578}"/>
               </a:ext>
             </a:extLst>
           </p:cNvPr>
@@ -27991,10 +27991,10 @@
           <p:cNvPr id="12" name="Straight Connector 11">
             <a:extLst>
               <a:ext uri="{FF2B5EF4-FFF2-40B4-BE49-F238E27FC236}">
-                <a16:creationId xmlns="" xmlns:a16="http://schemas.microsoft.com/office/drawing/2014/main" id="{99237721-19CF-41B1-AA0A-E1E1A8282D52}"/>
+                <a16:creationId xmlns:a16="http://schemas.microsoft.com/office/drawing/2014/main" xmlns="" id="{99237721-19CF-41B1-AA0A-E1E1A8282D52}"/>
               </a:ext>
               <a:ext uri="{C183D7F6-B498-43B3-948B-1728B52AA6E4}">
-                <adec:decorative xmlns="" xmlns:adec="http://schemas.microsoft.com/office/drawing/2017/decorative" val="1"/>
+                <adec:decorative xmlns:adec="http://schemas.microsoft.com/office/drawing/2017/decorative" xmlns="" val="1"/>
               </a:ext>
             </a:extLst>
           </p:cNvPr>
@@ -28080,7 +28080,7 @@
         </p:nvSpPr>
         <p:spPr>
           <a:xfrm>
-            <a:off x="754745" y="0"/>
+            <a:off x="754743" y="0"/>
             <a:ext cx="10682515" cy="6858000"/>
           </a:xfrm>
         </p:spPr>
@@ -28127,7 +28127,23 @@
                 <a:ea typeface="Times New Roman" charset="0"/>
                 <a:cs typeface="Times New Roman" charset="0"/>
               </a:rPr>
-              <a:t>CC BY-NC 4.0. To view a copy of this license, visit </a:t>
+              <a:t>CC </a:t>
+            </a:r>
+            <a:r>
+              <a:rPr lang="en-US" sz="2800" dirty="0">
+                <a:latin typeface="Times New Roman" charset="0"/>
+                <a:ea typeface="Times New Roman" charset="0"/>
+                <a:cs typeface="Times New Roman" charset="0"/>
+              </a:rPr>
+              <a:t>BY-SA </a:t>
+            </a:r>
+            <a:r>
+              <a:rPr lang="en-US" sz="2800" dirty="0">
+                <a:latin typeface="Times New Roman" charset="0"/>
+                <a:ea typeface="Times New Roman" charset="0"/>
+                <a:cs typeface="Times New Roman" charset="0"/>
+              </a:rPr>
+              <a:t>4.0. To view a copy of this license, visit </a:t>
             </a:r>
             <a:r>
               <a:rPr lang="en-US" sz="2800" dirty="0">
@@ -28136,7 +28152,16 @@
                 <a:cs typeface="Times New Roman" charset="0"/>
                 <a:hlinkClick r:id="rId2"/>
               </a:rPr>
-              <a:t>https://creativecommons.org/licenses/by-nc/4.0</a:t>
+              <a:t>https://</a:t>
+            </a:r>
+            <a:r>
+              <a:rPr lang="en-US" sz="2800" dirty="0">
+                <a:latin typeface="Times New Roman" charset="0"/>
+                <a:ea typeface="Times New Roman" charset="0"/>
+                <a:cs typeface="Times New Roman" charset="0"/>
+                <a:hlinkClick r:id="rId2"/>
+              </a:rPr>
+              <a:t>creativecommons.org/licenses/by-sa/4.0</a:t>
             </a:r>
             <a:r>
               <a:rPr lang="en-US" sz="2800" dirty="0">
@@ -28290,20 +28315,13 @@
     </p:spTree>
     <p:extLst>
       <p:ext uri="{BB962C8B-B14F-4D97-AF65-F5344CB8AC3E}">
-        <p14:creationId xmlns:p14="http://schemas.microsoft.com/office/powerpoint/2010/main" val="1968128169"/>
+        <p14:creationId xmlns:p14="http://schemas.microsoft.com/office/powerpoint/2010/main" val="945085541"/>
       </p:ext>
     </p:extLst>
   </p:cSld>
   <p:clrMapOvr>
     <a:masterClrMapping/>
   </p:clrMapOvr>
-  <p:timing>
-    <p:tnLst>
-      <p:par>
-        <p:cTn id="1" dur="indefinite" restart="never" nodeType="tmRoot"/>
-      </p:par>
-    </p:tnLst>
-  </p:timing>
 </p:sld>
 </file>
 
@@ -28337,10 +28355,10 @@
           <p:cNvPr id="84" name="Rectangle 69">
             <a:extLst>
               <a:ext uri="{FF2B5EF4-FFF2-40B4-BE49-F238E27FC236}">
-                <a16:creationId xmlns="" xmlns:a16="http://schemas.microsoft.com/office/drawing/2014/main" id="{8CD2B798-7994-4548-A2BE-4AEF9C1A5FAE}"/>
+                <a16:creationId xmlns:a16="http://schemas.microsoft.com/office/drawing/2014/main" xmlns="" id="{8CD2B798-7994-4548-A2BE-4AEF9C1A5FAE}"/>
               </a:ext>
               <a:ext uri="{C183D7F6-B498-43B3-948B-1728B52AA6E4}">
-                <adec:decorative xmlns="" xmlns:adec="http://schemas.microsoft.com/office/drawing/2017/decorative" val="1"/>
+                <adec:decorative xmlns:adec="http://schemas.microsoft.com/office/drawing/2017/decorative" xmlns="" val="1"/>
               </a:ext>
             </a:extLst>
           </p:cNvPr>
@@ -28394,10 +28412,10 @@
           <p:cNvPr id="85" name="Oval 5">
             <a:extLst>
               <a:ext uri="{FF2B5EF4-FFF2-40B4-BE49-F238E27FC236}">
-                <a16:creationId xmlns="" xmlns:a16="http://schemas.microsoft.com/office/drawing/2014/main" id="{E6162320-3B67-42BB-AF9D-939326E6489E}"/>
+                <a16:creationId xmlns:a16="http://schemas.microsoft.com/office/drawing/2014/main" xmlns="" id="{E6162320-3B67-42BB-AF9D-939326E6489E}"/>
               </a:ext>
               <a:ext uri="{C183D7F6-B498-43B3-948B-1728B52AA6E4}">
-                <adec:decorative xmlns="" xmlns:adec="http://schemas.microsoft.com/office/drawing/2017/decorative" val="1"/>
+                <adec:decorative xmlns:adec="http://schemas.microsoft.com/office/drawing/2017/decorative" xmlns="" val="1"/>
               </a:ext>
             </a:extLst>
           </p:cNvPr>
@@ -37012,10 +37030,10 @@
           <p:cNvPr id="74" name="Straight Connector 73">
             <a:extLst>
               <a:ext uri="{FF2B5EF4-FFF2-40B4-BE49-F238E27FC236}">
-                <a16:creationId xmlns="" xmlns:a16="http://schemas.microsoft.com/office/drawing/2014/main" id="{6722E143-84C1-4F95-937C-78B92D2811CF}"/>
+                <a16:creationId xmlns:a16="http://schemas.microsoft.com/office/drawing/2014/main" xmlns="" id="{6722E143-84C1-4F95-937C-78B92D2811CF}"/>
               </a:ext>
               <a:ext uri="{C183D7F6-B498-43B3-948B-1728B52AA6E4}">
-                <adec:decorative xmlns="" xmlns:adec="http://schemas.microsoft.com/office/drawing/2017/decorative" val="1"/>
+                <adec:decorative xmlns:adec="http://schemas.microsoft.com/office/drawing/2017/decorative" xmlns="" val="1"/>
               </a:ext>
             </a:extLst>
           </p:cNvPr>
@@ -37066,10 +37084,10 @@
           <p:cNvPr id="86" name="Rectangle 75">
             <a:extLst>
               <a:ext uri="{FF2B5EF4-FFF2-40B4-BE49-F238E27FC236}">
-                <a16:creationId xmlns="" xmlns:a16="http://schemas.microsoft.com/office/drawing/2014/main" id="{B8D726A5-7900-41B4-8D49-49B4A2010E7C}"/>
+                <a16:creationId xmlns:a16="http://schemas.microsoft.com/office/drawing/2014/main" xmlns="" id="{B8D726A5-7900-41B4-8D49-49B4A2010E7C}"/>
               </a:ext>
               <a:ext uri="{C183D7F6-B498-43B3-948B-1728B52AA6E4}">
-                <adec:decorative xmlns="" xmlns:adec="http://schemas.microsoft.com/office/drawing/2017/decorative" val="1"/>
+                <adec:decorative xmlns:adec="http://schemas.microsoft.com/office/drawing/2017/decorative" xmlns="" val="1"/>
               </a:ext>
             </a:extLst>
           </p:cNvPr>
@@ -37126,7 +37144,7 @@
           <p:cNvPr id="5" name="Content Placeholder 4" descr="A picture containing outdoor, building, sitting, bench&#10;&#10;Description automatically generated">
             <a:extLst>
               <a:ext uri="{FF2B5EF4-FFF2-40B4-BE49-F238E27FC236}">
-                <a16:creationId xmlns="" xmlns:a16="http://schemas.microsoft.com/office/drawing/2014/main" id="{9A4D28DC-4647-4EB8-8A4D-098E9E453E75}"/>
+                <a16:creationId xmlns:a16="http://schemas.microsoft.com/office/drawing/2014/main" xmlns="" id="{9A4D28DC-4647-4EB8-8A4D-098E9E453E75}"/>
               </a:ext>
             </a:extLst>
           </p:cNvPr>
@@ -37162,7 +37180,7 @@
           <p:cNvPr id="2" name="Title 1">
             <a:extLst>
               <a:ext uri="{FF2B5EF4-FFF2-40B4-BE49-F238E27FC236}">
-                <a16:creationId xmlns="" xmlns:a16="http://schemas.microsoft.com/office/drawing/2014/main" id="{A6AD020C-F08C-4E1C-8A34-0F3911BE1FCD}"/>
+                <a16:creationId xmlns:a16="http://schemas.microsoft.com/office/drawing/2014/main" xmlns="" id="{A6AD020C-F08C-4E1C-8A34-0F3911BE1FCD}"/>
               </a:ext>
             </a:extLst>
           </p:cNvPr>
@@ -37205,10 +37223,10 @@
           <p:cNvPr id="78" name="Straight Connector 77">
             <a:extLst>
               <a:ext uri="{FF2B5EF4-FFF2-40B4-BE49-F238E27FC236}">
-                <a16:creationId xmlns="" xmlns:a16="http://schemas.microsoft.com/office/drawing/2014/main" id="{46E49661-E258-450C-8150-A91A6B30D1CD}"/>
+                <a16:creationId xmlns:a16="http://schemas.microsoft.com/office/drawing/2014/main" xmlns="" id="{46E49661-E258-450C-8150-A91A6B30D1CD}"/>
               </a:ext>
               <a:ext uri="{C183D7F6-B498-43B3-948B-1728B52AA6E4}">
-                <adec:decorative xmlns="" xmlns:adec="http://schemas.microsoft.com/office/drawing/2017/decorative" val="1"/>
+                <adec:decorative xmlns:adec="http://schemas.microsoft.com/office/drawing/2017/decorative" xmlns="" val="1"/>
               </a:ext>
             </a:extLst>
           </p:cNvPr>
@@ -37295,10 +37313,10 @@
           <p:cNvPr id="46" name="Rectangle 41">
             <a:extLst>
               <a:ext uri="{FF2B5EF4-FFF2-40B4-BE49-F238E27FC236}">
-                <a16:creationId xmlns="" xmlns:a16="http://schemas.microsoft.com/office/drawing/2014/main" id="{B32DC26D-8B9B-4CC1-B3CC-D3EA0FB162CD}"/>
+                <a16:creationId xmlns:a16="http://schemas.microsoft.com/office/drawing/2014/main" xmlns="" id="{B32DC26D-8B9B-4CC1-B3CC-D3EA0FB162CD}"/>
               </a:ext>
               <a:ext uri="{C183D7F6-B498-43B3-948B-1728B52AA6E4}">
-                <adec:decorative xmlns="" xmlns:adec="http://schemas.microsoft.com/office/drawing/2017/decorative" val="1"/>
+                <adec:decorative xmlns:adec="http://schemas.microsoft.com/office/drawing/2017/decorative" xmlns="" val="1"/>
               </a:ext>
             </a:extLst>
           </p:cNvPr>
@@ -37355,7 +37373,7 @@
           <p:cNvPr id="37" name="Picture 36">
             <a:extLst>
               <a:ext uri="{FF2B5EF4-FFF2-40B4-BE49-F238E27FC236}">
-                <a16:creationId xmlns="" xmlns:a16="http://schemas.microsoft.com/office/drawing/2014/main" id="{ED6DB370-CA90-48F2-AD58-2619993B0914}"/>
+                <a16:creationId xmlns:a16="http://schemas.microsoft.com/office/drawing/2014/main" xmlns="" id="{ED6DB370-CA90-48F2-AD58-2619993B0914}"/>
               </a:ext>
             </a:extLst>
           </p:cNvPr>
@@ -37393,7 +37411,7 @@
           <p:cNvPr id="2" name="Title 1">
             <a:extLst>
               <a:ext uri="{FF2B5EF4-FFF2-40B4-BE49-F238E27FC236}">
-                <a16:creationId xmlns="" xmlns:a16="http://schemas.microsoft.com/office/drawing/2014/main" id="{BE0CA579-219B-4E3F-9CFB-27794D7997F1}"/>
+                <a16:creationId xmlns:a16="http://schemas.microsoft.com/office/drawing/2014/main" xmlns="" id="{BE0CA579-219B-4E3F-9CFB-27794D7997F1}"/>
               </a:ext>
             </a:extLst>
           </p:cNvPr>
@@ -37429,10 +37447,10 @@
           <p:cNvPr id="47" name="Straight Connector 43">
             <a:extLst>
               <a:ext uri="{FF2B5EF4-FFF2-40B4-BE49-F238E27FC236}">
-                <a16:creationId xmlns="" xmlns:a16="http://schemas.microsoft.com/office/drawing/2014/main" id="{FBB7ADC3-53A0-44F2-914A-78CADAF33411}"/>
+                <a16:creationId xmlns:a16="http://schemas.microsoft.com/office/drawing/2014/main" xmlns="" id="{FBB7ADC3-53A0-44F2-914A-78CADAF33411}"/>
               </a:ext>
               <a:ext uri="{C183D7F6-B498-43B3-948B-1728B52AA6E4}">
-                <adec:decorative xmlns="" xmlns:adec="http://schemas.microsoft.com/office/drawing/2017/decorative" val="1"/>
+                <adec:decorative xmlns:adec="http://schemas.microsoft.com/office/drawing/2017/decorative" xmlns="" val="1"/>
               </a:ext>
             </a:extLst>
           </p:cNvPr>
@@ -37483,7 +37501,7 @@
           <p:cNvPr id="3" name="Content Placeholder 2">
             <a:extLst>
               <a:ext uri="{FF2B5EF4-FFF2-40B4-BE49-F238E27FC236}">
-                <a16:creationId xmlns="" xmlns:a16="http://schemas.microsoft.com/office/drawing/2014/main" id="{7FCFA05F-38AB-4633-9F1A-D605F591BB1F}"/>
+                <a16:creationId xmlns:a16="http://schemas.microsoft.com/office/drawing/2014/main" xmlns="" id="{7FCFA05F-38AB-4633-9F1A-D605F591BB1F}"/>
               </a:ext>
             </a:extLst>
           </p:cNvPr>
@@ -37600,7 +37618,7 @@
           <p:cNvPr id="2" name="Title 1">
             <a:extLst>
               <a:ext uri="{FF2B5EF4-FFF2-40B4-BE49-F238E27FC236}">
-                <a16:creationId xmlns="" xmlns:a16="http://schemas.microsoft.com/office/drawing/2014/main" id="{8B44E2B7-F4A2-4A1C-8B56-45B4F64D8666}"/>
+                <a16:creationId xmlns:a16="http://schemas.microsoft.com/office/drawing/2014/main" xmlns="" id="{8B44E2B7-F4A2-4A1C-8B56-45B4F64D8666}"/>
               </a:ext>
             </a:extLst>
           </p:cNvPr>
@@ -37628,7 +37646,7 @@
           <p:cNvPr id="4" name="Graphic 3" descr="Computer">
             <a:extLst>
               <a:ext uri="{FF2B5EF4-FFF2-40B4-BE49-F238E27FC236}">
-                <a16:creationId xmlns="" xmlns:a16="http://schemas.microsoft.com/office/drawing/2014/main" id="{F67B2841-9046-4AD3-AC3A-9C9FEE6A7982}"/>
+                <a16:creationId xmlns:a16="http://schemas.microsoft.com/office/drawing/2014/main" xmlns="" id="{F67B2841-9046-4AD3-AC3A-9C9FEE6A7982}"/>
               </a:ext>
             </a:extLst>
           </p:cNvPr>
@@ -37641,7 +37659,7 @@
           <a:blip r:embed="rId2">
             <a:extLst>
               <a:ext uri="{96DAC541-7B7A-43D3-8B79-37D633B846F1}">
-                <asvg:svgBlip xmlns="" xmlns:asvg="http://schemas.microsoft.com/office/drawing/2016/SVG/main" r:embed="rId3"/>
+                <asvg:svgBlip xmlns:asvg="http://schemas.microsoft.com/office/drawing/2016/SVG/main" xmlns="" r:embed="rId3"/>
               </a:ext>
             </a:extLst>
           </a:blip>
@@ -37664,7 +37682,7 @@
           <p:cNvPr id="5" name="Graphic 4" descr="Server">
             <a:extLst>
               <a:ext uri="{FF2B5EF4-FFF2-40B4-BE49-F238E27FC236}">
-                <a16:creationId xmlns="" xmlns:a16="http://schemas.microsoft.com/office/drawing/2014/main" id="{4C668A70-8488-415F-BEFC-8E20D59BD37A}"/>
+                <a16:creationId xmlns:a16="http://schemas.microsoft.com/office/drawing/2014/main" xmlns="" id="{4C668A70-8488-415F-BEFC-8E20D59BD37A}"/>
               </a:ext>
             </a:extLst>
           </p:cNvPr>
@@ -37677,7 +37695,7 @@
           <a:blip r:embed="rId4">
             <a:extLst>
               <a:ext uri="{96DAC541-7B7A-43D3-8B79-37D633B846F1}">
-                <asvg:svgBlip xmlns="" xmlns:asvg="http://schemas.microsoft.com/office/drawing/2016/SVG/main" r:embed="rId5"/>
+                <asvg:svgBlip xmlns:asvg="http://schemas.microsoft.com/office/drawing/2016/SVG/main" xmlns="" r:embed="rId5"/>
               </a:ext>
             </a:extLst>
           </a:blip>
@@ -37700,7 +37718,7 @@
           <p:cNvPr id="6" name="Graphic 5" descr="Server">
             <a:extLst>
               <a:ext uri="{FF2B5EF4-FFF2-40B4-BE49-F238E27FC236}">
-                <a16:creationId xmlns="" xmlns:a16="http://schemas.microsoft.com/office/drawing/2014/main" id="{D04FFB57-627A-4142-829F-C17322C9D736}"/>
+                <a16:creationId xmlns:a16="http://schemas.microsoft.com/office/drawing/2014/main" xmlns="" id="{D04FFB57-627A-4142-829F-C17322C9D736}"/>
               </a:ext>
             </a:extLst>
           </p:cNvPr>
@@ -37713,7 +37731,7 @@
           <a:blip r:embed="rId6">
             <a:extLst>
               <a:ext uri="{96DAC541-7B7A-43D3-8B79-37D633B846F1}">
-                <asvg:svgBlip xmlns="" xmlns:asvg="http://schemas.microsoft.com/office/drawing/2016/SVG/main" r:embed="rId7"/>
+                <asvg:svgBlip xmlns:asvg="http://schemas.microsoft.com/office/drawing/2016/SVG/main" xmlns="" r:embed="rId7"/>
               </a:ext>
             </a:extLst>
           </a:blip>
@@ -37736,7 +37754,7 @@
           <p:cNvPr id="7" name="Graphic 6" descr="Server">
             <a:extLst>
               <a:ext uri="{FF2B5EF4-FFF2-40B4-BE49-F238E27FC236}">
-                <a16:creationId xmlns="" xmlns:a16="http://schemas.microsoft.com/office/drawing/2014/main" id="{D767C76D-CAD7-4497-97A5-0239B801EB2A}"/>
+                <a16:creationId xmlns:a16="http://schemas.microsoft.com/office/drawing/2014/main" xmlns="" id="{D767C76D-CAD7-4497-97A5-0239B801EB2A}"/>
               </a:ext>
             </a:extLst>
           </p:cNvPr>
@@ -37749,7 +37767,7 @@
           <a:blip r:embed="rId6">
             <a:extLst>
               <a:ext uri="{96DAC541-7B7A-43D3-8B79-37D633B846F1}">
-                <asvg:svgBlip xmlns="" xmlns:asvg="http://schemas.microsoft.com/office/drawing/2016/SVG/main" r:embed="rId7"/>
+                <asvg:svgBlip xmlns:asvg="http://schemas.microsoft.com/office/drawing/2016/SVG/main" xmlns="" r:embed="rId7"/>
               </a:ext>
             </a:extLst>
           </a:blip>
@@ -37772,7 +37790,7 @@
           <p:cNvPr id="8" name="Graphic 7" descr="Server">
             <a:extLst>
               <a:ext uri="{FF2B5EF4-FFF2-40B4-BE49-F238E27FC236}">
-                <a16:creationId xmlns="" xmlns:a16="http://schemas.microsoft.com/office/drawing/2014/main" id="{7E293D30-5F0F-41BE-AF39-5DA83C52F56B}"/>
+                <a16:creationId xmlns:a16="http://schemas.microsoft.com/office/drawing/2014/main" xmlns="" id="{7E293D30-5F0F-41BE-AF39-5DA83C52F56B}"/>
               </a:ext>
             </a:extLst>
           </p:cNvPr>
@@ -37785,7 +37803,7 @@
           <a:blip r:embed="rId6">
             <a:extLst>
               <a:ext uri="{96DAC541-7B7A-43D3-8B79-37D633B846F1}">
-                <asvg:svgBlip xmlns="" xmlns:asvg="http://schemas.microsoft.com/office/drawing/2016/SVG/main" r:embed="rId7"/>
+                <asvg:svgBlip xmlns:asvg="http://schemas.microsoft.com/office/drawing/2016/SVG/main" xmlns="" r:embed="rId7"/>
               </a:ext>
             </a:extLst>
           </a:blip>
@@ -37808,7 +37826,7 @@
           <p:cNvPr id="9" name="Straight Arrow Connector 8">
             <a:extLst>
               <a:ext uri="{FF2B5EF4-FFF2-40B4-BE49-F238E27FC236}">
-                <a16:creationId xmlns="" xmlns:a16="http://schemas.microsoft.com/office/drawing/2014/main" id="{E09E4717-1F30-4A95-ADA8-5B4D689B7E91}"/>
+                <a16:creationId xmlns:a16="http://schemas.microsoft.com/office/drawing/2014/main" xmlns="" id="{E09E4717-1F30-4A95-ADA8-5B4D689B7E91}"/>
               </a:ext>
             </a:extLst>
           </p:cNvPr>
@@ -37850,7 +37868,7 @@
           <p:cNvPr id="10" name="Straight Connector 9">
             <a:extLst>
               <a:ext uri="{FF2B5EF4-FFF2-40B4-BE49-F238E27FC236}">
-                <a16:creationId xmlns="" xmlns:a16="http://schemas.microsoft.com/office/drawing/2014/main" id="{852CD98B-14BD-40D2-907A-9D0138C690B3}"/>
+                <a16:creationId xmlns:a16="http://schemas.microsoft.com/office/drawing/2014/main" xmlns="" id="{852CD98B-14BD-40D2-907A-9D0138C690B3}"/>
               </a:ext>
             </a:extLst>
           </p:cNvPr>
@@ -37889,7 +37907,7 @@
           <p:cNvPr id="11" name="TextBox 10">
             <a:extLst>
               <a:ext uri="{FF2B5EF4-FFF2-40B4-BE49-F238E27FC236}">
-                <a16:creationId xmlns="" xmlns:a16="http://schemas.microsoft.com/office/drawing/2014/main" id="{B1B7E00C-0265-4E23-A8B5-612C59B1D8A7}"/>
+                <a16:creationId xmlns:a16="http://schemas.microsoft.com/office/drawing/2014/main" xmlns="" id="{B1B7E00C-0265-4E23-A8B5-612C59B1D8A7}"/>
               </a:ext>
             </a:extLst>
           </p:cNvPr>
@@ -37924,7 +37942,7 @@
           <p:cNvPr id="12" name="TextBox 11">
             <a:extLst>
               <a:ext uri="{FF2B5EF4-FFF2-40B4-BE49-F238E27FC236}">
-                <a16:creationId xmlns="" xmlns:a16="http://schemas.microsoft.com/office/drawing/2014/main" id="{13D27008-14E2-4437-B135-2638D0D7B8A7}"/>
+                <a16:creationId xmlns:a16="http://schemas.microsoft.com/office/drawing/2014/main" xmlns="" id="{13D27008-14E2-4437-B135-2638D0D7B8A7}"/>
               </a:ext>
             </a:extLst>
           </p:cNvPr>
@@ -37967,7 +37985,7 @@
           <p:cNvPr id="14" name="TextBox 13">
             <a:extLst>
               <a:ext uri="{FF2B5EF4-FFF2-40B4-BE49-F238E27FC236}">
-                <a16:creationId xmlns="" xmlns:a16="http://schemas.microsoft.com/office/drawing/2014/main" id="{5340327F-B9FA-4486-A59B-41D8137F3BA7}"/>
+                <a16:creationId xmlns:a16="http://schemas.microsoft.com/office/drawing/2014/main" xmlns="" id="{5340327F-B9FA-4486-A59B-41D8137F3BA7}"/>
               </a:ext>
             </a:extLst>
           </p:cNvPr>
@@ -38002,7 +38020,7 @@
           <p:cNvPr id="16" name="TextBox 15">
             <a:extLst>
               <a:ext uri="{FF2B5EF4-FFF2-40B4-BE49-F238E27FC236}">
-                <a16:creationId xmlns="" xmlns:a16="http://schemas.microsoft.com/office/drawing/2014/main" id="{34565D01-468A-461C-8283-17533DE7DFB7}"/>
+                <a16:creationId xmlns:a16="http://schemas.microsoft.com/office/drawing/2014/main" xmlns="" id="{34565D01-468A-461C-8283-17533DE7DFB7}"/>
               </a:ext>
             </a:extLst>
           </p:cNvPr>
@@ -38037,7 +38055,7 @@
           <p:cNvPr id="18" name="TextBox 17">
             <a:extLst>
               <a:ext uri="{FF2B5EF4-FFF2-40B4-BE49-F238E27FC236}">
-                <a16:creationId xmlns="" xmlns:a16="http://schemas.microsoft.com/office/drawing/2014/main" id="{CFB7B480-A3B2-46C4-80D7-6C541B8F0CE8}"/>
+                <a16:creationId xmlns:a16="http://schemas.microsoft.com/office/drawing/2014/main" xmlns="" id="{CFB7B480-A3B2-46C4-80D7-6C541B8F0CE8}"/>
               </a:ext>
             </a:extLst>
           </p:cNvPr>
@@ -38088,7 +38106,7 @@
           <p:cNvPr id="20" name="TextBox 19">
             <a:extLst>
               <a:ext uri="{FF2B5EF4-FFF2-40B4-BE49-F238E27FC236}">
-                <a16:creationId xmlns="" xmlns:a16="http://schemas.microsoft.com/office/drawing/2014/main" id="{FCEB4805-90DB-413B-8A72-A703A6637E13}"/>
+                <a16:creationId xmlns:a16="http://schemas.microsoft.com/office/drawing/2014/main" xmlns="" id="{FCEB4805-90DB-413B-8A72-A703A6637E13}"/>
               </a:ext>
             </a:extLst>
           </p:cNvPr>
@@ -38123,7 +38141,7 @@
           <p:cNvPr id="22" name="Picture 21">
             <a:extLst>
               <a:ext uri="{FF2B5EF4-FFF2-40B4-BE49-F238E27FC236}">
-                <a16:creationId xmlns="" xmlns:a16="http://schemas.microsoft.com/office/drawing/2014/main" id="{DD17D055-4682-474E-B1C5-5ABAEF5465D5}"/>
+                <a16:creationId xmlns:a16="http://schemas.microsoft.com/office/drawing/2014/main" xmlns="" id="{DD17D055-4682-474E-B1C5-5ABAEF5465D5}"/>
               </a:ext>
             </a:extLst>
           </p:cNvPr>
@@ -38191,10 +38209,10 @@
           <p:cNvPr id="12" name="Rectangle 11">
             <a:extLst>
               <a:ext uri="{FF2B5EF4-FFF2-40B4-BE49-F238E27FC236}">
-                <a16:creationId xmlns="" xmlns:a16="http://schemas.microsoft.com/office/drawing/2014/main" id="{3A8EC506-B1DA-46A1-B44D-774E68468E13}"/>
+                <a16:creationId xmlns:a16="http://schemas.microsoft.com/office/drawing/2014/main" xmlns="" id="{3A8EC506-B1DA-46A1-B44D-774E68468E13}"/>
               </a:ext>
               <a:ext uri="{C183D7F6-B498-43B3-948B-1728B52AA6E4}">
-                <adec:decorative xmlns="" xmlns:adec="http://schemas.microsoft.com/office/drawing/2017/decorative" val="1"/>
+                <adec:decorative xmlns:adec="http://schemas.microsoft.com/office/drawing/2017/decorative" xmlns="" val="1"/>
               </a:ext>
             </a:extLst>
           </p:cNvPr>
@@ -38248,10 +38266,10 @@
           <p:cNvPr id="14" name="Oval 5">
             <a:extLst>
               <a:ext uri="{FF2B5EF4-FFF2-40B4-BE49-F238E27FC236}">
-                <a16:creationId xmlns="" xmlns:a16="http://schemas.microsoft.com/office/drawing/2014/main" id="{BFF30785-305E-45D7-984F-5AA93D3CA561}"/>
+                <a16:creationId xmlns:a16="http://schemas.microsoft.com/office/drawing/2014/main" xmlns="" id="{BFF30785-305E-45D7-984F-5AA93D3CA561}"/>
               </a:ext>
               <a:ext uri="{C183D7F6-B498-43B3-948B-1728B52AA6E4}">
-                <adec:decorative xmlns="" xmlns:adec="http://schemas.microsoft.com/office/drawing/2017/decorative" val="1"/>
+                <adec:decorative xmlns:adec="http://schemas.microsoft.com/office/drawing/2017/decorative" xmlns="" val="1"/>
               </a:ext>
             </a:extLst>
           </p:cNvPr>
@@ -46866,10 +46884,10 @@
           <p:cNvPr id="16" name="Straight Connector 15">
             <a:extLst>
               <a:ext uri="{FF2B5EF4-FFF2-40B4-BE49-F238E27FC236}">
-                <a16:creationId xmlns="" xmlns:a16="http://schemas.microsoft.com/office/drawing/2014/main" id="{15E01FA5-D766-43CA-A83D-E7CF3F04E96F}"/>
+                <a16:creationId xmlns:a16="http://schemas.microsoft.com/office/drawing/2014/main" xmlns="" id="{15E01FA5-D766-43CA-A83D-E7CF3F04E96F}"/>
               </a:ext>
               <a:ext uri="{C183D7F6-B498-43B3-948B-1728B52AA6E4}">
-                <adec:decorative xmlns="" xmlns:adec="http://schemas.microsoft.com/office/drawing/2017/decorative" val="1"/>
+                <adec:decorative xmlns:adec="http://schemas.microsoft.com/office/drawing/2017/decorative" xmlns="" val="1"/>
               </a:ext>
             </a:extLst>
           </p:cNvPr>
@@ -46920,10 +46938,10 @@
           <p:cNvPr id="18" name="Rectangle 17">
             <a:extLst>
               <a:ext uri="{FF2B5EF4-FFF2-40B4-BE49-F238E27FC236}">
-                <a16:creationId xmlns="" xmlns:a16="http://schemas.microsoft.com/office/drawing/2014/main" id="{CA73784B-AC76-4BAD-93AF-C72D0EDFD715}"/>
+                <a16:creationId xmlns:a16="http://schemas.microsoft.com/office/drawing/2014/main" xmlns="" id="{CA73784B-AC76-4BAD-93AF-C72D0EDFD715}"/>
               </a:ext>
               <a:ext uri="{C183D7F6-B498-43B3-948B-1728B52AA6E4}">
-                <adec:decorative xmlns="" xmlns:adec="http://schemas.microsoft.com/office/drawing/2017/decorative" val="1"/>
+                <adec:decorative xmlns:adec="http://schemas.microsoft.com/office/drawing/2017/decorative" xmlns="" val="1"/>
               </a:ext>
             </a:extLst>
           </p:cNvPr>
@@ -46980,7 +46998,7 @@
           <p:cNvPr id="2" name="Title 1">
             <a:extLst>
               <a:ext uri="{FF2B5EF4-FFF2-40B4-BE49-F238E27FC236}">
-                <a16:creationId xmlns="" xmlns:a16="http://schemas.microsoft.com/office/drawing/2014/main" id="{F47C2BD3-2115-4685-9894-0E72CFF5C1BE}"/>
+                <a16:creationId xmlns:a16="http://schemas.microsoft.com/office/drawing/2014/main" xmlns="" id="{F47C2BD3-2115-4685-9894-0E72CFF5C1BE}"/>
               </a:ext>
             </a:extLst>
           </p:cNvPr>
@@ -47026,10 +47044,10 @@
           <p:cNvPr id="20" name="Straight Connector 19">
             <a:extLst>
               <a:ext uri="{FF2B5EF4-FFF2-40B4-BE49-F238E27FC236}">
-                <a16:creationId xmlns="" xmlns:a16="http://schemas.microsoft.com/office/drawing/2014/main" id="{811DCF04-0C7C-44FC-8246-FC8D736B1A71}"/>
+                <a16:creationId xmlns:a16="http://schemas.microsoft.com/office/drawing/2014/main" xmlns="" id="{811DCF04-0C7C-44FC-8246-FC8D736B1A71}"/>
               </a:ext>
               <a:ext uri="{C183D7F6-B498-43B3-948B-1728B52AA6E4}">
-                <adec:decorative xmlns="" xmlns:adec="http://schemas.microsoft.com/office/drawing/2017/decorative" val="1"/>
+                <adec:decorative xmlns:adec="http://schemas.microsoft.com/office/drawing/2017/decorative" xmlns="" val="1"/>
               </a:ext>
             </a:extLst>
           </p:cNvPr>
@@ -47080,7 +47098,7 @@
           <p:cNvPr id="7" name="Table 6">
             <a:extLst>
               <a:ext uri="{FF2B5EF4-FFF2-40B4-BE49-F238E27FC236}">
-                <a16:creationId xmlns="" xmlns:a16="http://schemas.microsoft.com/office/drawing/2014/main" id="{A6F89E01-6758-4889-A33A-58015BA887D1}"/>
+                <a16:creationId xmlns:a16="http://schemas.microsoft.com/office/drawing/2014/main" xmlns="" id="{A6F89E01-6758-4889-A33A-58015BA887D1}"/>
               </a:ext>
             </a:extLst>
           </p:cNvPr>
@@ -47109,21 +47127,21 @@
                 <a:gridCol w="1470392">
                   <a:extLst>
                     <a:ext uri="{9D8B030D-6E8A-4147-A177-3AD203B41FA5}">
-                      <a16:colId xmlns="" xmlns:a16="http://schemas.microsoft.com/office/drawing/2014/main" val="990145194"/>
+                      <a16:colId xmlns:a16="http://schemas.microsoft.com/office/drawing/2014/main" xmlns="" val="990145194"/>
                     </a:ext>
                   </a:extLst>
                 </a:gridCol>
                 <a:gridCol w="2208097">
                   <a:extLst>
                     <a:ext uri="{9D8B030D-6E8A-4147-A177-3AD203B41FA5}">
-                      <a16:colId xmlns="" xmlns:a16="http://schemas.microsoft.com/office/drawing/2014/main" val="2432404159"/>
+                      <a16:colId xmlns:a16="http://schemas.microsoft.com/office/drawing/2014/main" xmlns="" val="2432404159"/>
                     </a:ext>
                   </a:extLst>
                 </a:gridCol>
                 <a:gridCol w="1913014">
                   <a:extLst>
                     <a:ext uri="{9D8B030D-6E8A-4147-A177-3AD203B41FA5}">
-                      <a16:colId xmlns="" xmlns:a16="http://schemas.microsoft.com/office/drawing/2014/main" val="3058617663"/>
+                      <a16:colId xmlns:a16="http://schemas.microsoft.com/office/drawing/2014/main" xmlns="" val="3058617663"/>
                     </a:ext>
                   </a:extLst>
                 </a:gridCol>
@@ -47271,7 +47289,7 @@
                 </a:tc>
                 <a:extLst>
                   <a:ext uri="{0D108BD9-81ED-4DB2-BD59-A6C34878D82A}">
-                    <a16:rowId xmlns="" xmlns:a16="http://schemas.microsoft.com/office/drawing/2014/main" val="1213001937"/>
+                    <a16:rowId xmlns:a16="http://schemas.microsoft.com/office/drawing/2014/main" xmlns="" val="1213001937"/>
                   </a:ext>
                 </a:extLst>
               </a:tr>
@@ -47477,7 +47495,7 @@
                 </a:tc>
                 <a:extLst>
                   <a:ext uri="{0D108BD9-81ED-4DB2-BD59-A6C34878D82A}">
-                    <a16:rowId xmlns="" xmlns:a16="http://schemas.microsoft.com/office/drawing/2014/main" val="1521993437"/>
+                    <a16:rowId xmlns:a16="http://schemas.microsoft.com/office/drawing/2014/main" xmlns="" val="1521993437"/>
                   </a:ext>
                 </a:extLst>
               </a:tr>
@@ -47672,7 +47690,7 @@
                 </a:tc>
                 <a:extLst>
                   <a:ext uri="{0D108BD9-81ED-4DB2-BD59-A6C34878D82A}">
-                    <a16:rowId xmlns="" xmlns:a16="http://schemas.microsoft.com/office/drawing/2014/main" val="2367878651"/>
+                    <a16:rowId xmlns:a16="http://schemas.microsoft.com/office/drawing/2014/main" xmlns="" val="2367878651"/>
                   </a:ext>
                 </a:extLst>
               </a:tr>
@@ -47861,7 +47879,7 @@
                 </a:tc>
                 <a:extLst>
                   <a:ext uri="{0D108BD9-81ED-4DB2-BD59-A6C34878D82A}">
-                    <a16:rowId xmlns="" xmlns:a16="http://schemas.microsoft.com/office/drawing/2014/main" val="1015560162"/>
+                    <a16:rowId xmlns:a16="http://schemas.microsoft.com/office/drawing/2014/main" xmlns="" val="1015560162"/>
                   </a:ext>
                 </a:extLst>
               </a:tr>
@@ -47874,7 +47892,7 @@
           <p:cNvPr id="8" name="TextBox 7">
             <a:extLst>
               <a:ext uri="{FF2B5EF4-FFF2-40B4-BE49-F238E27FC236}">
-                <a16:creationId xmlns="" xmlns:a16="http://schemas.microsoft.com/office/drawing/2014/main" id="{D89C3DAD-BF95-48FF-9803-043E33674BF6}"/>
+                <a16:creationId xmlns:a16="http://schemas.microsoft.com/office/drawing/2014/main" xmlns="" id="{D89C3DAD-BF95-48FF-9803-043E33674BF6}"/>
               </a:ext>
             </a:extLst>
           </p:cNvPr>
@@ -47939,7 +47957,7 @@
           <p:cNvPr id="3" name="Content Placeholder 2">
             <a:extLst>
               <a:ext uri="{FF2B5EF4-FFF2-40B4-BE49-F238E27FC236}">
-                <a16:creationId xmlns="" xmlns:a16="http://schemas.microsoft.com/office/drawing/2014/main" id="{8C8251DB-B864-4811-9C26-61E44542ABC9}"/>
+                <a16:creationId xmlns:a16="http://schemas.microsoft.com/office/drawing/2014/main" xmlns="" id="{8C8251DB-B864-4811-9C26-61E44542ABC9}"/>
               </a:ext>
             </a:extLst>
           </p:cNvPr>
@@ -48068,7 +48086,7 @@
           <p:cNvPr id="11" name="Group 10">
             <a:extLst>
               <a:ext uri="{FF2B5EF4-FFF2-40B4-BE49-F238E27FC236}">
-                <a16:creationId xmlns="" xmlns:a16="http://schemas.microsoft.com/office/drawing/2014/main" id="{81A6B485-1ADE-4DDF-9D10-DC06BE505FE7}"/>
+                <a16:creationId xmlns:a16="http://schemas.microsoft.com/office/drawing/2014/main" xmlns="" id="{81A6B485-1ADE-4DDF-9D10-DC06BE505FE7}"/>
               </a:ext>
             </a:extLst>
           </p:cNvPr>
@@ -48088,7 +48106,7 @@
             <p:cNvPr id="7" name="Rectangle: Rounded Corners 6">
               <a:extLst>
                 <a:ext uri="{FF2B5EF4-FFF2-40B4-BE49-F238E27FC236}">
-                  <a16:creationId xmlns="" xmlns:a16="http://schemas.microsoft.com/office/drawing/2014/main" id="{88E26CAE-374B-4100-93B1-3684E59390AB}"/>
+                  <a16:creationId xmlns:a16="http://schemas.microsoft.com/office/drawing/2014/main" xmlns="" id="{88E26CAE-374B-4100-93B1-3684E59390AB}"/>
                 </a:ext>
               </a:extLst>
             </p:cNvPr>
@@ -48143,7 +48161,7 @@
             <p:cNvPr id="9" name="TextBox 8">
               <a:extLst>
                 <a:ext uri="{FF2B5EF4-FFF2-40B4-BE49-F238E27FC236}">
-                  <a16:creationId xmlns="" xmlns:a16="http://schemas.microsoft.com/office/drawing/2014/main" id="{1D5E70BD-C722-4765-91DF-F02485B1D378}"/>
+                  <a16:creationId xmlns:a16="http://schemas.microsoft.com/office/drawing/2014/main" xmlns="" id="{1D5E70BD-C722-4765-91DF-F02485B1D378}"/>
                 </a:ext>
               </a:extLst>
             </p:cNvPr>
@@ -48179,7 +48197,7 @@
             <p:cNvPr id="19" name="Straight Arrow Connector 18">
               <a:extLst>
                 <a:ext uri="{FF2B5EF4-FFF2-40B4-BE49-F238E27FC236}">
-                  <a16:creationId xmlns="" xmlns:a16="http://schemas.microsoft.com/office/drawing/2014/main" id="{2FF932EF-9294-47A6-AA39-ECFC808E3E0C}"/>
+                  <a16:creationId xmlns:a16="http://schemas.microsoft.com/office/drawing/2014/main" xmlns="" id="{2FF932EF-9294-47A6-AA39-ECFC808E3E0C}"/>
                 </a:ext>
               </a:extLst>
             </p:cNvPr>
@@ -48220,7 +48238,7 @@
             <p:cNvPr id="6" name="Group 5">
               <a:extLst>
                 <a:ext uri="{FF2B5EF4-FFF2-40B4-BE49-F238E27FC236}">
-                  <a16:creationId xmlns="" xmlns:a16="http://schemas.microsoft.com/office/drawing/2014/main" id="{6C539A7C-72D5-4FDB-8EDC-931FE33EC205}"/>
+                  <a16:creationId xmlns:a16="http://schemas.microsoft.com/office/drawing/2014/main" xmlns="" id="{6C539A7C-72D5-4FDB-8EDC-931FE33EC205}"/>
                 </a:ext>
               </a:extLst>
             </p:cNvPr>
@@ -48240,7 +48258,7 @@
               <p:cNvPr id="10" name="Rectangle 9">
                 <a:extLst>
                   <a:ext uri="{FF2B5EF4-FFF2-40B4-BE49-F238E27FC236}">
-                    <a16:creationId xmlns="" xmlns:a16="http://schemas.microsoft.com/office/drawing/2014/main" id="{F2C5FE7E-810A-4195-BB61-BB79BCEB7EAD}"/>
+                    <a16:creationId xmlns:a16="http://schemas.microsoft.com/office/drawing/2014/main" xmlns="" id="{F2C5FE7E-810A-4195-BB61-BB79BCEB7EAD}"/>
                   </a:ext>
                 </a:extLst>
               </p:cNvPr>
@@ -48292,7 +48310,7 @@
               <p:cNvPr id="15" name="TextBox 14">
                 <a:extLst>
                   <a:ext uri="{FF2B5EF4-FFF2-40B4-BE49-F238E27FC236}">
-                    <a16:creationId xmlns="" xmlns:a16="http://schemas.microsoft.com/office/drawing/2014/main" id="{692B3956-23FA-4763-9A31-8599E4247FBB}"/>
+                    <a16:creationId xmlns:a16="http://schemas.microsoft.com/office/drawing/2014/main" xmlns="" id="{692B3956-23FA-4763-9A31-8599E4247FBB}"/>
                   </a:ext>
                 </a:extLst>
               </p:cNvPr>
@@ -48328,7 +48346,7 @@
               <p:cNvPr id="22" name="Rectangle: Rounded Corners 21">
                 <a:extLst>
                   <a:ext uri="{FF2B5EF4-FFF2-40B4-BE49-F238E27FC236}">
-                    <a16:creationId xmlns="" xmlns:a16="http://schemas.microsoft.com/office/drawing/2014/main" id="{BC2CC19F-2BE5-4FC1-BF5B-25FD2FA4CDE3}"/>
+                    <a16:creationId xmlns:a16="http://schemas.microsoft.com/office/drawing/2014/main" xmlns="" id="{BC2CC19F-2BE5-4FC1-BF5B-25FD2FA4CDE3}"/>
                   </a:ext>
                 </a:extLst>
               </p:cNvPr>
@@ -48374,7 +48392,7 @@
               <p:cNvPr id="24" name="Rectangle: Rounded Corners 23">
                 <a:extLst>
                   <a:ext uri="{FF2B5EF4-FFF2-40B4-BE49-F238E27FC236}">
-                    <a16:creationId xmlns="" xmlns:a16="http://schemas.microsoft.com/office/drawing/2014/main" id="{89D01DAC-2631-4559-842D-0DA5C149C56E}"/>
+                    <a16:creationId xmlns:a16="http://schemas.microsoft.com/office/drawing/2014/main" xmlns="" id="{89D01DAC-2631-4559-842D-0DA5C149C56E}"/>
                   </a:ext>
                 </a:extLst>
               </p:cNvPr>
@@ -48420,7 +48438,7 @@
               <p:cNvPr id="31" name="TextBox 30">
                 <a:extLst>
                   <a:ext uri="{FF2B5EF4-FFF2-40B4-BE49-F238E27FC236}">
-                    <a16:creationId xmlns="" xmlns:a16="http://schemas.microsoft.com/office/drawing/2014/main" id="{E370F68B-07CE-4116-B6F4-7CD3057CCC35}"/>
+                    <a16:creationId xmlns:a16="http://schemas.microsoft.com/office/drawing/2014/main" xmlns="" id="{E370F68B-07CE-4116-B6F4-7CD3057CCC35}"/>
                   </a:ext>
                 </a:extLst>
               </p:cNvPr>
@@ -48456,7 +48474,7 @@
               <p:cNvPr id="33" name="TextBox 32">
                 <a:extLst>
                   <a:ext uri="{FF2B5EF4-FFF2-40B4-BE49-F238E27FC236}">
-                    <a16:creationId xmlns="" xmlns:a16="http://schemas.microsoft.com/office/drawing/2014/main" id="{79316C50-9E8F-49A3-B0FE-1E9E0BFAC92C}"/>
+                    <a16:creationId xmlns:a16="http://schemas.microsoft.com/office/drawing/2014/main" xmlns="" id="{79316C50-9E8F-49A3-B0FE-1E9E0BFAC92C}"/>
                   </a:ext>
                 </a:extLst>
               </p:cNvPr>
@@ -48492,7 +48510,7 @@
               <p:cNvPr id="35" name="TextBox 34">
                 <a:extLst>
                   <a:ext uri="{FF2B5EF4-FFF2-40B4-BE49-F238E27FC236}">
-                    <a16:creationId xmlns="" xmlns:a16="http://schemas.microsoft.com/office/drawing/2014/main" id="{D8CB4DDB-961A-4329-9F14-C7603C70CE69}"/>
+                    <a16:creationId xmlns:a16="http://schemas.microsoft.com/office/drawing/2014/main" xmlns="" id="{D8CB4DDB-961A-4329-9F14-C7603C70CE69}"/>
                   </a:ext>
                 </a:extLst>
               </p:cNvPr>
@@ -48528,7 +48546,7 @@
               <p:cNvPr id="42" name="Rectangle: Rounded Corners 41">
                 <a:extLst>
                   <a:ext uri="{FF2B5EF4-FFF2-40B4-BE49-F238E27FC236}">
-                    <a16:creationId xmlns="" xmlns:a16="http://schemas.microsoft.com/office/drawing/2014/main" id="{64B85EE3-1075-4BE2-B728-009150197D97}"/>
+                    <a16:creationId xmlns:a16="http://schemas.microsoft.com/office/drawing/2014/main" xmlns="" id="{64B85EE3-1075-4BE2-B728-009150197D97}"/>
                   </a:ext>
                 </a:extLst>
               </p:cNvPr>
@@ -48580,7 +48598,7 @@
               <p:cNvPr id="44" name="Rectangle: Rounded Corners 43">
                 <a:extLst>
                   <a:ext uri="{FF2B5EF4-FFF2-40B4-BE49-F238E27FC236}">
-                    <a16:creationId xmlns="" xmlns:a16="http://schemas.microsoft.com/office/drawing/2014/main" id="{50441ED7-C7ED-4096-8B01-DF93CA584FD3}"/>
+                    <a16:creationId xmlns:a16="http://schemas.microsoft.com/office/drawing/2014/main" xmlns="" id="{50441ED7-C7ED-4096-8B01-DF93CA584FD3}"/>
                   </a:ext>
                 </a:extLst>
               </p:cNvPr>
@@ -48632,7 +48650,7 @@
               <p:cNvPr id="46" name="Rectangle: Rounded Corners 45">
                 <a:extLst>
                   <a:ext uri="{FF2B5EF4-FFF2-40B4-BE49-F238E27FC236}">
-                    <a16:creationId xmlns="" xmlns:a16="http://schemas.microsoft.com/office/drawing/2014/main" id="{B519846B-D709-4832-B953-DAA07471AA6F}"/>
+                    <a16:creationId xmlns:a16="http://schemas.microsoft.com/office/drawing/2014/main" xmlns="" id="{B519846B-D709-4832-B953-DAA07471AA6F}"/>
                   </a:ext>
                 </a:extLst>
               </p:cNvPr>
@@ -48684,7 +48702,7 @@
               <p:cNvPr id="48" name="Rectangle: Rounded Corners 47">
                 <a:extLst>
                   <a:ext uri="{FF2B5EF4-FFF2-40B4-BE49-F238E27FC236}">
-                    <a16:creationId xmlns="" xmlns:a16="http://schemas.microsoft.com/office/drawing/2014/main" id="{59811F93-B705-4972-8A13-0CAB1F9966E6}"/>
+                    <a16:creationId xmlns:a16="http://schemas.microsoft.com/office/drawing/2014/main" xmlns="" id="{59811F93-B705-4972-8A13-0CAB1F9966E6}"/>
                   </a:ext>
                 </a:extLst>
               </p:cNvPr>
@@ -48736,7 +48754,7 @@
               <p:cNvPr id="50" name="Rectangle: Rounded Corners 49">
                 <a:extLst>
                   <a:ext uri="{FF2B5EF4-FFF2-40B4-BE49-F238E27FC236}">
-                    <a16:creationId xmlns="" xmlns:a16="http://schemas.microsoft.com/office/drawing/2014/main" id="{91C366A2-DCE1-4D91-A431-EA3580C35523}"/>
+                    <a16:creationId xmlns:a16="http://schemas.microsoft.com/office/drawing/2014/main" xmlns="" id="{91C366A2-DCE1-4D91-A431-EA3580C35523}"/>
                   </a:ext>
                 </a:extLst>
               </p:cNvPr>
@@ -48788,7 +48806,7 @@
               <p:cNvPr id="52" name="Rectangle: Rounded Corners 51">
                 <a:extLst>
                   <a:ext uri="{FF2B5EF4-FFF2-40B4-BE49-F238E27FC236}">
-                    <a16:creationId xmlns="" xmlns:a16="http://schemas.microsoft.com/office/drawing/2014/main" id="{62DFF4CF-2B87-460D-814C-7818D31319BE}"/>
+                    <a16:creationId xmlns:a16="http://schemas.microsoft.com/office/drawing/2014/main" xmlns="" id="{62DFF4CF-2B87-460D-814C-7818D31319BE}"/>
                   </a:ext>
                 </a:extLst>
               </p:cNvPr>
@@ -48840,7 +48858,7 @@
               <p:cNvPr id="78" name="Rectangle: Rounded Corners 77">
                 <a:extLst>
                   <a:ext uri="{FF2B5EF4-FFF2-40B4-BE49-F238E27FC236}">
-                    <a16:creationId xmlns="" xmlns:a16="http://schemas.microsoft.com/office/drawing/2014/main" id="{1D8800CE-E35D-4431-BC60-4E71402ACED3}"/>
+                    <a16:creationId xmlns:a16="http://schemas.microsoft.com/office/drawing/2014/main" xmlns="" id="{1D8800CE-E35D-4431-BC60-4E71402ACED3}"/>
                   </a:ext>
                 </a:extLst>
               </p:cNvPr>
@@ -48892,7 +48910,7 @@
               <p:cNvPr id="80" name="Rectangle: Rounded Corners 79">
                 <a:extLst>
                   <a:ext uri="{FF2B5EF4-FFF2-40B4-BE49-F238E27FC236}">
-                    <a16:creationId xmlns="" xmlns:a16="http://schemas.microsoft.com/office/drawing/2014/main" id="{F9D1E8A0-4B48-4E2A-A80D-F119AB4B3E89}"/>
+                    <a16:creationId xmlns:a16="http://schemas.microsoft.com/office/drawing/2014/main" xmlns="" id="{F9D1E8A0-4B48-4E2A-A80D-F119AB4B3E89}"/>
                   </a:ext>
                 </a:extLst>
               </p:cNvPr>
@@ -48944,7 +48962,7 @@
               <p:cNvPr id="82" name="Rectangle: Rounded Corners 81">
                 <a:extLst>
                   <a:ext uri="{FF2B5EF4-FFF2-40B4-BE49-F238E27FC236}">
-                    <a16:creationId xmlns="" xmlns:a16="http://schemas.microsoft.com/office/drawing/2014/main" id="{99338D9A-806C-44D1-A6E2-D93480C1D6D1}"/>
+                    <a16:creationId xmlns:a16="http://schemas.microsoft.com/office/drawing/2014/main" xmlns="" id="{99338D9A-806C-44D1-A6E2-D93480C1D6D1}"/>
                   </a:ext>
                 </a:extLst>
               </p:cNvPr>
@@ -48996,7 +49014,7 @@
               <p:cNvPr id="84" name="Rectangle: Rounded Corners 83">
                 <a:extLst>
                   <a:ext uri="{FF2B5EF4-FFF2-40B4-BE49-F238E27FC236}">
-                    <a16:creationId xmlns="" xmlns:a16="http://schemas.microsoft.com/office/drawing/2014/main" id="{3FD80F9B-7651-4CF5-92F8-2BBC53457001}"/>
+                    <a16:creationId xmlns:a16="http://schemas.microsoft.com/office/drawing/2014/main" xmlns="" id="{3FD80F9B-7651-4CF5-92F8-2BBC53457001}"/>
                   </a:ext>
                 </a:extLst>
               </p:cNvPr>
@@ -49048,7 +49066,7 @@
               <p:cNvPr id="86" name="Rectangle: Rounded Corners 85">
                 <a:extLst>
                   <a:ext uri="{FF2B5EF4-FFF2-40B4-BE49-F238E27FC236}">
-                    <a16:creationId xmlns="" xmlns:a16="http://schemas.microsoft.com/office/drawing/2014/main" id="{619C6C18-3975-4A40-A196-F97430146DF8}"/>
+                    <a16:creationId xmlns:a16="http://schemas.microsoft.com/office/drawing/2014/main" xmlns="" id="{619C6C18-3975-4A40-A196-F97430146DF8}"/>
                   </a:ext>
                 </a:extLst>
               </p:cNvPr>
@@ -49100,7 +49118,7 @@
               <p:cNvPr id="88" name="Rectangle: Rounded Corners 87">
                 <a:extLst>
                   <a:ext uri="{FF2B5EF4-FFF2-40B4-BE49-F238E27FC236}">
-                    <a16:creationId xmlns="" xmlns:a16="http://schemas.microsoft.com/office/drawing/2014/main" id="{9BD74F5C-0DC5-419E-8BB4-E1A7A3795854}"/>
+                    <a16:creationId xmlns:a16="http://schemas.microsoft.com/office/drawing/2014/main" xmlns="" id="{9BD74F5C-0DC5-419E-8BB4-E1A7A3795854}"/>
                   </a:ext>
                 </a:extLst>
               </p:cNvPr>
@@ -49152,7 +49170,7 @@
               <p:cNvPr id="89" name="TextBox 88">
                 <a:extLst>
                   <a:ext uri="{FF2B5EF4-FFF2-40B4-BE49-F238E27FC236}">
-                    <a16:creationId xmlns="" xmlns:a16="http://schemas.microsoft.com/office/drawing/2014/main" id="{8ABC8871-A512-4A6C-A03B-DF2DC9249CD8}"/>
+                    <a16:creationId xmlns:a16="http://schemas.microsoft.com/office/drawing/2014/main" xmlns="" id="{8ABC8871-A512-4A6C-A03B-DF2DC9249CD8}"/>
                   </a:ext>
                 </a:extLst>
               </p:cNvPr>
@@ -49187,7 +49205,7 @@
               <p:cNvPr id="91" name="TextBox 90">
                 <a:extLst>
                   <a:ext uri="{FF2B5EF4-FFF2-40B4-BE49-F238E27FC236}">
-                    <a16:creationId xmlns="" xmlns:a16="http://schemas.microsoft.com/office/drawing/2014/main" id="{C2668CA3-95F0-452A-8191-51335F3E5CCB}"/>
+                    <a16:creationId xmlns:a16="http://schemas.microsoft.com/office/drawing/2014/main" xmlns="" id="{C2668CA3-95F0-452A-8191-51335F3E5CCB}"/>
                   </a:ext>
                 </a:extLst>
               </p:cNvPr>
@@ -49224,7 +49242,7 @@
           <p:cNvPr id="16" name="Title 15">
             <a:extLst>
               <a:ext uri="{FF2B5EF4-FFF2-40B4-BE49-F238E27FC236}">
-                <a16:creationId xmlns="" xmlns:a16="http://schemas.microsoft.com/office/drawing/2014/main" id="{F7667ACD-863C-4CA4-9C03-FB2E2095E4F2}"/>
+                <a16:creationId xmlns:a16="http://schemas.microsoft.com/office/drawing/2014/main" xmlns="" id="{F7667ACD-863C-4CA4-9C03-FB2E2095E4F2}"/>
               </a:ext>
             </a:extLst>
           </p:cNvPr>
@@ -49287,7 +49305,7 @@
           <p:cNvPr id="29" name="TextBox 28">
             <a:extLst>
               <a:ext uri="{FF2B5EF4-FFF2-40B4-BE49-F238E27FC236}">
-                <a16:creationId xmlns="" xmlns:a16="http://schemas.microsoft.com/office/drawing/2014/main" id="{27AF2857-D8E8-48F2-AF92-0A08E3658135}"/>
+                <a16:creationId xmlns:a16="http://schemas.microsoft.com/office/drawing/2014/main" xmlns="" id="{27AF2857-D8E8-48F2-AF92-0A08E3658135}"/>
               </a:ext>
             </a:extLst>
           </p:cNvPr>
@@ -49339,7 +49357,7 @@
           <p:cNvPr id="14" name="Group 13">
             <a:extLst>
               <a:ext uri="{FF2B5EF4-FFF2-40B4-BE49-F238E27FC236}">
-                <a16:creationId xmlns="" xmlns:a16="http://schemas.microsoft.com/office/drawing/2014/main" id="{09152FA4-0D5A-4A28-99ED-4EBAA1A183E3}"/>
+                <a16:creationId xmlns:a16="http://schemas.microsoft.com/office/drawing/2014/main" xmlns="" id="{09152FA4-0D5A-4A28-99ED-4EBAA1A183E3}"/>
               </a:ext>
             </a:extLst>
           </p:cNvPr>
@@ -49359,7 +49377,7 @@
             <p:cNvPr id="7" name="Rectangle: Rounded Corners 6">
               <a:extLst>
                 <a:ext uri="{FF2B5EF4-FFF2-40B4-BE49-F238E27FC236}">
-                  <a16:creationId xmlns="" xmlns:a16="http://schemas.microsoft.com/office/drawing/2014/main" id="{88E26CAE-374B-4100-93B1-3684E59390AB}"/>
+                  <a16:creationId xmlns:a16="http://schemas.microsoft.com/office/drawing/2014/main" xmlns="" id="{88E26CAE-374B-4100-93B1-3684E59390AB}"/>
                 </a:ext>
               </a:extLst>
             </p:cNvPr>
@@ -49414,7 +49432,7 @@
             <p:cNvPr id="8" name="Rectangle: Rounded Corners 7">
               <a:extLst>
                 <a:ext uri="{FF2B5EF4-FFF2-40B4-BE49-F238E27FC236}">
-                  <a16:creationId xmlns="" xmlns:a16="http://schemas.microsoft.com/office/drawing/2014/main" id="{857C56E1-E429-4FB6-A9ED-E6E4B9414189}"/>
+                  <a16:creationId xmlns:a16="http://schemas.microsoft.com/office/drawing/2014/main" xmlns="" id="{857C56E1-E429-4FB6-A9ED-E6E4B9414189}"/>
                 </a:ext>
               </a:extLst>
             </p:cNvPr>
@@ -49462,7 +49480,7 @@
             <p:cNvPr id="9" name="TextBox 8">
               <a:extLst>
                 <a:ext uri="{FF2B5EF4-FFF2-40B4-BE49-F238E27FC236}">
-                  <a16:creationId xmlns="" xmlns:a16="http://schemas.microsoft.com/office/drawing/2014/main" id="{1D5E70BD-C722-4765-91DF-F02485B1D378}"/>
+                  <a16:creationId xmlns:a16="http://schemas.microsoft.com/office/drawing/2014/main" xmlns="" id="{1D5E70BD-C722-4765-91DF-F02485B1D378}"/>
                 </a:ext>
               </a:extLst>
             </p:cNvPr>
@@ -49498,7 +49516,7 @@
             <p:cNvPr id="10" name="Rectangle 9">
               <a:extLst>
                 <a:ext uri="{FF2B5EF4-FFF2-40B4-BE49-F238E27FC236}">
-                  <a16:creationId xmlns="" xmlns:a16="http://schemas.microsoft.com/office/drawing/2014/main" id="{F2C5FE7E-810A-4195-BB61-BB79BCEB7EAD}"/>
+                  <a16:creationId xmlns:a16="http://schemas.microsoft.com/office/drawing/2014/main" xmlns="" id="{F2C5FE7E-810A-4195-BB61-BB79BCEB7EAD}"/>
                 </a:ext>
               </a:extLst>
             </p:cNvPr>
@@ -49550,7 +49568,7 @@
             <p:cNvPr id="12" name="Rectangle 11">
               <a:extLst>
                 <a:ext uri="{FF2B5EF4-FFF2-40B4-BE49-F238E27FC236}">
-                  <a16:creationId xmlns="" xmlns:a16="http://schemas.microsoft.com/office/drawing/2014/main" id="{B58D5152-9DFA-45B0-94B3-C7F56E40987D}"/>
+                  <a16:creationId xmlns:a16="http://schemas.microsoft.com/office/drawing/2014/main" xmlns="" id="{B58D5152-9DFA-45B0-94B3-C7F56E40987D}"/>
                 </a:ext>
               </a:extLst>
             </p:cNvPr>
@@ -49602,7 +49620,7 @@
             <p:cNvPr id="13" name="TextBox 12">
               <a:extLst>
                 <a:ext uri="{FF2B5EF4-FFF2-40B4-BE49-F238E27FC236}">
-                  <a16:creationId xmlns="" xmlns:a16="http://schemas.microsoft.com/office/drawing/2014/main" id="{27F4186A-E7BA-411F-9C7D-B6A86901E940}"/>
+                  <a16:creationId xmlns:a16="http://schemas.microsoft.com/office/drawing/2014/main" xmlns="" id="{27F4186A-E7BA-411F-9C7D-B6A86901E940}"/>
                 </a:ext>
               </a:extLst>
             </p:cNvPr>
@@ -49638,7 +49656,7 @@
             <p:cNvPr id="15" name="TextBox 14">
               <a:extLst>
                 <a:ext uri="{FF2B5EF4-FFF2-40B4-BE49-F238E27FC236}">
-                  <a16:creationId xmlns="" xmlns:a16="http://schemas.microsoft.com/office/drawing/2014/main" id="{692B3956-23FA-4763-9A31-8599E4247FBB}"/>
+                  <a16:creationId xmlns:a16="http://schemas.microsoft.com/office/drawing/2014/main" xmlns="" id="{692B3956-23FA-4763-9A31-8599E4247FBB}"/>
                 </a:ext>
               </a:extLst>
             </p:cNvPr>
@@ -49674,7 +49692,7 @@
             <p:cNvPr id="17" name="TextBox 16">
               <a:extLst>
                 <a:ext uri="{FF2B5EF4-FFF2-40B4-BE49-F238E27FC236}">
-                  <a16:creationId xmlns="" xmlns:a16="http://schemas.microsoft.com/office/drawing/2014/main" id="{D206E8E0-513D-4B6B-9327-F8D76A9EB86B}"/>
+                  <a16:creationId xmlns:a16="http://schemas.microsoft.com/office/drawing/2014/main" xmlns="" id="{D206E8E0-513D-4B6B-9327-F8D76A9EB86B}"/>
                 </a:ext>
               </a:extLst>
             </p:cNvPr>
@@ -49710,7 +49728,7 @@
             <p:cNvPr id="19" name="Straight Arrow Connector 18">
               <a:extLst>
                 <a:ext uri="{FF2B5EF4-FFF2-40B4-BE49-F238E27FC236}">
-                  <a16:creationId xmlns="" xmlns:a16="http://schemas.microsoft.com/office/drawing/2014/main" id="{2FF932EF-9294-47A6-AA39-ECFC808E3E0C}"/>
+                  <a16:creationId xmlns:a16="http://schemas.microsoft.com/office/drawing/2014/main" xmlns="" id="{2FF932EF-9294-47A6-AA39-ECFC808E3E0C}"/>
                 </a:ext>
               </a:extLst>
             </p:cNvPr>
@@ -49752,7 +49770,7 @@
             <p:cNvPr id="22" name="Rectangle: Rounded Corners 21">
               <a:extLst>
                 <a:ext uri="{FF2B5EF4-FFF2-40B4-BE49-F238E27FC236}">
-                  <a16:creationId xmlns="" xmlns:a16="http://schemas.microsoft.com/office/drawing/2014/main" id="{BC2CC19F-2BE5-4FC1-BF5B-25FD2FA4CDE3}"/>
+                  <a16:creationId xmlns:a16="http://schemas.microsoft.com/office/drawing/2014/main" xmlns="" id="{BC2CC19F-2BE5-4FC1-BF5B-25FD2FA4CDE3}"/>
                 </a:ext>
               </a:extLst>
             </p:cNvPr>
@@ -49798,7 +49816,7 @@
             <p:cNvPr id="24" name="Rectangle: Rounded Corners 23">
               <a:extLst>
                 <a:ext uri="{FF2B5EF4-FFF2-40B4-BE49-F238E27FC236}">
-                  <a16:creationId xmlns="" xmlns:a16="http://schemas.microsoft.com/office/drawing/2014/main" id="{89D01DAC-2631-4559-842D-0DA5C149C56E}"/>
+                  <a16:creationId xmlns:a16="http://schemas.microsoft.com/office/drawing/2014/main" xmlns="" id="{89D01DAC-2631-4559-842D-0DA5C149C56E}"/>
                 </a:ext>
               </a:extLst>
             </p:cNvPr>
@@ -49844,7 +49862,7 @@
             <p:cNvPr id="26" name="Rectangle: Rounded Corners 25">
               <a:extLst>
                 <a:ext uri="{FF2B5EF4-FFF2-40B4-BE49-F238E27FC236}">
-                  <a16:creationId xmlns="" xmlns:a16="http://schemas.microsoft.com/office/drawing/2014/main" id="{96B49657-99C6-4CB6-9A28-5D6983EBB85B}"/>
+                  <a16:creationId xmlns:a16="http://schemas.microsoft.com/office/drawing/2014/main" xmlns="" id="{96B49657-99C6-4CB6-9A28-5D6983EBB85B}"/>
                 </a:ext>
               </a:extLst>
             </p:cNvPr>
@@ -49890,7 +49908,7 @@
             <p:cNvPr id="28" name="Rectangle: Rounded Corners 27">
               <a:extLst>
                 <a:ext uri="{FF2B5EF4-FFF2-40B4-BE49-F238E27FC236}">
-                  <a16:creationId xmlns="" xmlns:a16="http://schemas.microsoft.com/office/drawing/2014/main" id="{306DC951-BB20-4EFA-B36D-27B6692AAD0A}"/>
+                  <a16:creationId xmlns:a16="http://schemas.microsoft.com/office/drawing/2014/main" xmlns="" id="{306DC951-BB20-4EFA-B36D-27B6692AAD0A}"/>
                 </a:ext>
               </a:extLst>
             </p:cNvPr>
@@ -49936,7 +49954,7 @@
             <p:cNvPr id="31" name="TextBox 30">
               <a:extLst>
                 <a:ext uri="{FF2B5EF4-FFF2-40B4-BE49-F238E27FC236}">
-                  <a16:creationId xmlns="" xmlns:a16="http://schemas.microsoft.com/office/drawing/2014/main" id="{E370F68B-07CE-4116-B6F4-7CD3057CCC35}"/>
+                  <a16:creationId xmlns:a16="http://schemas.microsoft.com/office/drawing/2014/main" xmlns="" id="{E370F68B-07CE-4116-B6F4-7CD3057CCC35}"/>
                 </a:ext>
               </a:extLst>
             </p:cNvPr>
@@ -49972,7 +49990,7 @@
             <p:cNvPr id="33" name="TextBox 32">
               <a:extLst>
                 <a:ext uri="{FF2B5EF4-FFF2-40B4-BE49-F238E27FC236}">
-                  <a16:creationId xmlns="" xmlns:a16="http://schemas.microsoft.com/office/drawing/2014/main" id="{79316C50-9E8F-49A3-B0FE-1E9E0BFAC92C}"/>
+                  <a16:creationId xmlns:a16="http://schemas.microsoft.com/office/drawing/2014/main" xmlns="" id="{79316C50-9E8F-49A3-B0FE-1E9E0BFAC92C}"/>
                 </a:ext>
               </a:extLst>
             </p:cNvPr>
@@ -50008,7 +50026,7 @@
             <p:cNvPr id="35" name="TextBox 34">
               <a:extLst>
                 <a:ext uri="{FF2B5EF4-FFF2-40B4-BE49-F238E27FC236}">
-                  <a16:creationId xmlns="" xmlns:a16="http://schemas.microsoft.com/office/drawing/2014/main" id="{D8CB4DDB-961A-4329-9F14-C7603C70CE69}"/>
+                  <a16:creationId xmlns:a16="http://schemas.microsoft.com/office/drawing/2014/main" xmlns="" id="{D8CB4DDB-961A-4329-9F14-C7603C70CE69}"/>
                 </a:ext>
               </a:extLst>
             </p:cNvPr>
@@ -50044,7 +50062,7 @@
             <p:cNvPr id="37" name="TextBox 36">
               <a:extLst>
                 <a:ext uri="{FF2B5EF4-FFF2-40B4-BE49-F238E27FC236}">
-                  <a16:creationId xmlns="" xmlns:a16="http://schemas.microsoft.com/office/drawing/2014/main" id="{2C62F5DB-34D4-4ECE-A8DF-27F6CC2FE1AC}"/>
+                  <a16:creationId xmlns:a16="http://schemas.microsoft.com/office/drawing/2014/main" xmlns="" id="{2C62F5DB-34D4-4ECE-A8DF-27F6CC2FE1AC}"/>
                 </a:ext>
               </a:extLst>
             </p:cNvPr>
@@ -50080,7 +50098,7 @@
             <p:cNvPr id="39" name="TextBox 38">
               <a:extLst>
                 <a:ext uri="{FF2B5EF4-FFF2-40B4-BE49-F238E27FC236}">
-                  <a16:creationId xmlns="" xmlns:a16="http://schemas.microsoft.com/office/drawing/2014/main" id="{F1729529-E350-4B04-B00D-8E68EE07661D}"/>
+                  <a16:creationId xmlns:a16="http://schemas.microsoft.com/office/drawing/2014/main" xmlns="" id="{F1729529-E350-4B04-B00D-8E68EE07661D}"/>
                 </a:ext>
               </a:extLst>
             </p:cNvPr>
@@ -50116,7 +50134,7 @@
             <p:cNvPr id="41" name="TextBox 40">
               <a:extLst>
                 <a:ext uri="{FF2B5EF4-FFF2-40B4-BE49-F238E27FC236}">
-                  <a16:creationId xmlns="" xmlns:a16="http://schemas.microsoft.com/office/drawing/2014/main" id="{5BF03986-5A03-41D8-9D8E-7B5A6729CE39}"/>
+                  <a16:creationId xmlns:a16="http://schemas.microsoft.com/office/drawing/2014/main" xmlns="" id="{5BF03986-5A03-41D8-9D8E-7B5A6729CE39}"/>
                 </a:ext>
               </a:extLst>
             </p:cNvPr>
@@ -50152,7 +50170,7 @@
             <p:cNvPr id="42" name="Rectangle: Rounded Corners 41">
               <a:extLst>
                 <a:ext uri="{FF2B5EF4-FFF2-40B4-BE49-F238E27FC236}">
-                  <a16:creationId xmlns="" xmlns:a16="http://schemas.microsoft.com/office/drawing/2014/main" id="{64B85EE3-1075-4BE2-B728-009150197D97}"/>
+                  <a16:creationId xmlns:a16="http://schemas.microsoft.com/office/drawing/2014/main" xmlns="" id="{64B85EE3-1075-4BE2-B728-009150197D97}"/>
                 </a:ext>
               </a:extLst>
             </p:cNvPr>
@@ -50204,7 +50222,7 @@
             <p:cNvPr id="44" name="Rectangle: Rounded Corners 43">
               <a:extLst>
                 <a:ext uri="{FF2B5EF4-FFF2-40B4-BE49-F238E27FC236}">
-                  <a16:creationId xmlns="" xmlns:a16="http://schemas.microsoft.com/office/drawing/2014/main" id="{50441ED7-C7ED-4096-8B01-DF93CA584FD3}"/>
+                  <a16:creationId xmlns:a16="http://schemas.microsoft.com/office/drawing/2014/main" xmlns="" id="{50441ED7-C7ED-4096-8B01-DF93CA584FD3}"/>
                 </a:ext>
               </a:extLst>
             </p:cNvPr>
@@ -50256,7 +50274,7 @@
             <p:cNvPr id="46" name="Rectangle: Rounded Corners 45">
               <a:extLst>
                 <a:ext uri="{FF2B5EF4-FFF2-40B4-BE49-F238E27FC236}">
-                  <a16:creationId xmlns="" xmlns:a16="http://schemas.microsoft.com/office/drawing/2014/main" id="{B519846B-D709-4832-B953-DAA07471AA6F}"/>
+                  <a16:creationId xmlns:a16="http://schemas.microsoft.com/office/drawing/2014/main" xmlns="" id="{B519846B-D709-4832-B953-DAA07471AA6F}"/>
                 </a:ext>
               </a:extLst>
             </p:cNvPr>
@@ -50308,7 +50326,7 @@
             <p:cNvPr id="48" name="Rectangle: Rounded Corners 47">
               <a:extLst>
                 <a:ext uri="{FF2B5EF4-FFF2-40B4-BE49-F238E27FC236}">
-                  <a16:creationId xmlns="" xmlns:a16="http://schemas.microsoft.com/office/drawing/2014/main" id="{59811F93-B705-4972-8A13-0CAB1F9966E6}"/>
+                  <a16:creationId xmlns:a16="http://schemas.microsoft.com/office/drawing/2014/main" xmlns="" id="{59811F93-B705-4972-8A13-0CAB1F9966E6}"/>
                 </a:ext>
               </a:extLst>
             </p:cNvPr>
@@ -50360,7 +50378,7 @@
             <p:cNvPr id="50" name="Rectangle: Rounded Corners 49">
               <a:extLst>
                 <a:ext uri="{FF2B5EF4-FFF2-40B4-BE49-F238E27FC236}">
-                  <a16:creationId xmlns="" xmlns:a16="http://schemas.microsoft.com/office/drawing/2014/main" id="{91C366A2-DCE1-4D91-A431-EA3580C35523}"/>
+                  <a16:creationId xmlns:a16="http://schemas.microsoft.com/office/drawing/2014/main" xmlns="" id="{91C366A2-DCE1-4D91-A431-EA3580C35523}"/>
                 </a:ext>
               </a:extLst>
             </p:cNvPr>
@@ -50412,7 +50430,7 @@
             <p:cNvPr id="52" name="Rectangle: Rounded Corners 51">
               <a:extLst>
                 <a:ext uri="{FF2B5EF4-FFF2-40B4-BE49-F238E27FC236}">
-                  <a16:creationId xmlns="" xmlns:a16="http://schemas.microsoft.com/office/drawing/2014/main" id="{62DFF4CF-2B87-460D-814C-7818D31319BE}"/>
+                  <a16:creationId xmlns:a16="http://schemas.microsoft.com/office/drawing/2014/main" xmlns="" id="{62DFF4CF-2B87-460D-814C-7818D31319BE}"/>
                 </a:ext>
               </a:extLst>
             </p:cNvPr>
@@ -50464,7 +50482,7 @@
             <p:cNvPr id="54" name="Rectangle: Rounded Corners 53">
               <a:extLst>
                 <a:ext uri="{FF2B5EF4-FFF2-40B4-BE49-F238E27FC236}">
-                  <a16:creationId xmlns="" xmlns:a16="http://schemas.microsoft.com/office/drawing/2014/main" id="{476A193E-EC6B-4528-B0F9-1270E6668C82}"/>
+                  <a16:creationId xmlns:a16="http://schemas.microsoft.com/office/drawing/2014/main" xmlns="" id="{476A193E-EC6B-4528-B0F9-1270E6668C82}"/>
                 </a:ext>
               </a:extLst>
             </p:cNvPr>
@@ -50516,7 +50534,7 @@
             <p:cNvPr id="56" name="Rectangle: Rounded Corners 55">
               <a:extLst>
                 <a:ext uri="{FF2B5EF4-FFF2-40B4-BE49-F238E27FC236}">
-                  <a16:creationId xmlns="" xmlns:a16="http://schemas.microsoft.com/office/drawing/2014/main" id="{254A82AD-7388-44B5-AE71-6929AAFE4FEC}"/>
+                  <a16:creationId xmlns:a16="http://schemas.microsoft.com/office/drawing/2014/main" xmlns="" id="{254A82AD-7388-44B5-AE71-6929AAFE4FEC}"/>
                 </a:ext>
               </a:extLst>
             </p:cNvPr>
@@ -50568,7 +50586,7 @@
             <p:cNvPr id="58" name="Rectangle: Rounded Corners 57">
               <a:extLst>
                 <a:ext uri="{FF2B5EF4-FFF2-40B4-BE49-F238E27FC236}">
-                  <a16:creationId xmlns="" xmlns:a16="http://schemas.microsoft.com/office/drawing/2014/main" id="{A6187768-AA49-4219-94EA-0AC4028A79C7}"/>
+                  <a16:creationId xmlns:a16="http://schemas.microsoft.com/office/drawing/2014/main" xmlns="" id="{A6187768-AA49-4219-94EA-0AC4028A79C7}"/>
                 </a:ext>
               </a:extLst>
             </p:cNvPr>
@@ -50620,7 +50638,7 @@
             <p:cNvPr id="60" name="Rectangle: Rounded Corners 59">
               <a:extLst>
                 <a:ext uri="{FF2B5EF4-FFF2-40B4-BE49-F238E27FC236}">
-                  <a16:creationId xmlns="" xmlns:a16="http://schemas.microsoft.com/office/drawing/2014/main" id="{DA5AA64D-2714-47EC-ADA3-B98074D05A2E}"/>
+                  <a16:creationId xmlns:a16="http://schemas.microsoft.com/office/drawing/2014/main" xmlns="" id="{DA5AA64D-2714-47EC-ADA3-B98074D05A2E}"/>
                 </a:ext>
               </a:extLst>
             </p:cNvPr>
@@ -50672,7 +50690,7 @@
             <p:cNvPr id="62" name="Rectangle: Rounded Corners 61">
               <a:extLst>
                 <a:ext uri="{FF2B5EF4-FFF2-40B4-BE49-F238E27FC236}">
-                  <a16:creationId xmlns="" xmlns:a16="http://schemas.microsoft.com/office/drawing/2014/main" id="{093DB848-21F4-4469-9110-B036C2F0697F}"/>
+                  <a16:creationId xmlns:a16="http://schemas.microsoft.com/office/drawing/2014/main" xmlns="" id="{093DB848-21F4-4469-9110-B036C2F0697F}"/>
                 </a:ext>
               </a:extLst>
             </p:cNvPr>
@@ -50724,7 +50742,7 @@
             <p:cNvPr id="64" name="Rectangle: Rounded Corners 63">
               <a:extLst>
                 <a:ext uri="{FF2B5EF4-FFF2-40B4-BE49-F238E27FC236}">
-                  <a16:creationId xmlns="" xmlns:a16="http://schemas.microsoft.com/office/drawing/2014/main" id="{61DB84C1-A681-4A26-A92C-EB2D2209F426}"/>
+                  <a16:creationId xmlns:a16="http://schemas.microsoft.com/office/drawing/2014/main" xmlns="" id="{61DB84C1-A681-4A26-A92C-EB2D2209F426}"/>
                 </a:ext>
               </a:extLst>
             </p:cNvPr>
@@ -50776,7 +50794,7 @@
             <p:cNvPr id="66" name="Rectangle: Rounded Corners 65">
               <a:extLst>
                 <a:ext uri="{FF2B5EF4-FFF2-40B4-BE49-F238E27FC236}">
-                  <a16:creationId xmlns="" xmlns:a16="http://schemas.microsoft.com/office/drawing/2014/main" id="{4E33314A-B515-4A18-8A07-3337A7C563FC}"/>
+                  <a16:creationId xmlns:a16="http://schemas.microsoft.com/office/drawing/2014/main" xmlns="" id="{4E33314A-B515-4A18-8A07-3337A7C563FC}"/>
                 </a:ext>
               </a:extLst>
             </p:cNvPr>
@@ -50828,7 +50846,7 @@
             <p:cNvPr id="68" name="Rectangle: Rounded Corners 67">
               <a:extLst>
                 <a:ext uri="{FF2B5EF4-FFF2-40B4-BE49-F238E27FC236}">
-                  <a16:creationId xmlns="" xmlns:a16="http://schemas.microsoft.com/office/drawing/2014/main" id="{9A36D951-3F8C-4E11-80D3-726C8BCF21B4}"/>
+                  <a16:creationId xmlns:a16="http://schemas.microsoft.com/office/drawing/2014/main" xmlns="" id="{9A36D951-3F8C-4E11-80D3-726C8BCF21B4}"/>
                 </a:ext>
               </a:extLst>
             </p:cNvPr>
@@ -50880,7 +50898,7 @@
             <p:cNvPr id="70" name="Rectangle: Rounded Corners 69">
               <a:extLst>
                 <a:ext uri="{FF2B5EF4-FFF2-40B4-BE49-F238E27FC236}">
-                  <a16:creationId xmlns="" xmlns:a16="http://schemas.microsoft.com/office/drawing/2014/main" id="{1A73770E-56DB-4FA9-A2FC-0B96F75114F7}"/>
+                  <a16:creationId xmlns:a16="http://schemas.microsoft.com/office/drawing/2014/main" xmlns="" id="{1A73770E-56DB-4FA9-A2FC-0B96F75114F7}"/>
                 </a:ext>
               </a:extLst>
             </p:cNvPr>
@@ -50932,7 +50950,7 @@
             <p:cNvPr id="72" name="Rectangle: Rounded Corners 71">
               <a:extLst>
                 <a:ext uri="{FF2B5EF4-FFF2-40B4-BE49-F238E27FC236}">
-                  <a16:creationId xmlns="" xmlns:a16="http://schemas.microsoft.com/office/drawing/2014/main" id="{149C3C7A-009E-432F-B3E1-4A515D0E9CD9}"/>
+                  <a16:creationId xmlns:a16="http://schemas.microsoft.com/office/drawing/2014/main" xmlns="" id="{149C3C7A-009E-432F-B3E1-4A515D0E9CD9}"/>
                 </a:ext>
               </a:extLst>
             </p:cNvPr>
@@ -50984,7 +51002,7 @@
             <p:cNvPr id="74" name="Rectangle: Rounded Corners 73">
               <a:extLst>
                 <a:ext uri="{FF2B5EF4-FFF2-40B4-BE49-F238E27FC236}">
-                  <a16:creationId xmlns="" xmlns:a16="http://schemas.microsoft.com/office/drawing/2014/main" id="{7A7D697B-597F-49F2-A491-70D17D69B622}"/>
+                  <a16:creationId xmlns:a16="http://schemas.microsoft.com/office/drawing/2014/main" xmlns="" id="{7A7D697B-597F-49F2-A491-70D17D69B622}"/>
                 </a:ext>
               </a:extLst>
             </p:cNvPr>
@@ -51036,7 +51054,7 @@
             <p:cNvPr id="76" name="Rectangle: Rounded Corners 75">
               <a:extLst>
                 <a:ext uri="{FF2B5EF4-FFF2-40B4-BE49-F238E27FC236}">
-                  <a16:creationId xmlns="" xmlns:a16="http://schemas.microsoft.com/office/drawing/2014/main" id="{DBC59F20-F23E-4A47-8B8F-D827786E47A2}"/>
+                  <a16:creationId xmlns:a16="http://schemas.microsoft.com/office/drawing/2014/main" xmlns="" id="{DBC59F20-F23E-4A47-8B8F-D827786E47A2}"/>
                 </a:ext>
               </a:extLst>
             </p:cNvPr>
@@ -51088,7 +51106,7 @@
             <p:cNvPr id="78" name="Rectangle: Rounded Corners 77">
               <a:extLst>
                 <a:ext uri="{FF2B5EF4-FFF2-40B4-BE49-F238E27FC236}">
-                  <a16:creationId xmlns="" xmlns:a16="http://schemas.microsoft.com/office/drawing/2014/main" id="{1D8800CE-E35D-4431-BC60-4E71402ACED3}"/>
+                  <a16:creationId xmlns:a16="http://schemas.microsoft.com/office/drawing/2014/main" xmlns="" id="{1D8800CE-E35D-4431-BC60-4E71402ACED3}"/>
                 </a:ext>
               </a:extLst>
             </p:cNvPr>
@@ -51140,7 +51158,7 @@
             <p:cNvPr id="80" name="Rectangle: Rounded Corners 79">
               <a:extLst>
                 <a:ext uri="{FF2B5EF4-FFF2-40B4-BE49-F238E27FC236}">
-                  <a16:creationId xmlns="" xmlns:a16="http://schemas.microsoft.com/office/drawing/2014/main" id="{F9D1E8A0-4B48-4E2A-A80D-F119AB4B3E89}"/>
+                  <a16:creationId xmlns:a16="http://schemas.microsoft.com/office/drawing/2014/main" xmlns="" id="{F9D1E8A0-4B48-4E2A-A80D-F119AB4B3E89}"/>
                 </a:ext>
               </a:extLst>
             </p:cNvPr>
@@ -51192,7 +51210,7 @@
             <p:cNvPr id="82" name="Rectangle: Rounded Corners 81">
               <a:extLst>
                 <a:ext uri="{FF2B5EF4-FFF2-40B4-BE49-F238E27FC236}">
-                  <a16:creationId xmlns="" xmlns:a16="http://schemas.microsoft.com/office/drawing/2014/main" id="{99338D9A-806C-44D1-A6E2-D93480C1D6D1}"/>
+                  <a16:creationId xmlns:a16="http://schemas.microsoft.com/office/drawing/2014/main" xmlns="" id="{99338D9A-806C-44D1-A6E2-D93480C1D6D1}"/>
                 </a:ext>
               </a:extLst>
             </p:cNvPr>
@@ -51244,7 +51262,7 @@
             <p:cNvPr id="84" name="Rectangle: Rounded Corners 83">
               <a:extLst>
                 <a:ext uri="{FF2B5EF4-FFF2-40B4-BE49-F238E27FC236}">
-                  <a16:creationId xmlns="" xmlns:a16="http://schemas.microsoft.com/office/drawing/2014/main" id="{3FD80F9B-7651-4CF5-92F8-2BBC53457001}"/>
+                  <a16:creationId xmlns:a16="http://schemas.microsoft.com/office/drawing/2014/main" xmlns="" id="{3FD80F9B-7651-4CF5-92F8-2BBC53457001}"/>
                 </a:ext>
               </a:extLst>
             </p:cNvPr>
@@ -51296,7 +51314,7 @@
             <p:cNvPr id="86" name="Rectangle: Rounded Corners 85">
               <a:extLst>
                 <a:ext uri="{FF2B5EF4-FFF2-40B4-BE49-F238E27FC236}">
-                  <a16:creationId xmlns="" xmlns:a16="http://schemas.microsoft.com/office/drawing/2014/main" id="{619C6C18-3975-4A40-A196-F97430146DF8}"/>
+                  <a16:creationId xmlns:a16="http://schemas.microsoft.com/office/drawing/2014/main" xmlns="" id="{619C6C18-3975-4A40-A196-F97430146DF8}"/>
                 </a:ext>
               </a:extLst>
             </p:cNvPr>
@@ -51348,7 +51366,7 @@
             <p:cNvPr id="88" name="Rectangle: Rounded Corners 87">
               <a:extLst>
                 <a:ext uri="{FF2B5EF4-FFF2-40B4-BE49-F238E27FC236}">
-                  <a16:creationId xmlns="" xmlns:a16="http://schemas.microsoft.com/office/drawing/2014/main" id="{9BD74F5C-0DC5-419E-8BB4-E1A7A3795854}"/>
+                  <a16:creationId xmlns:a16="http://schemas.microsoft.com/office/drawing/2014/main" xmlns="" id="{9BD74F5C-0DC5-419E-8BB4-E1A7A3795854}"/>
                 </a:ext>
               </a:extLst>
             </p:cNvPr>
@@ -51400,7 +51418,7 @@
             <p:cNvPr id="89" name="TextBox 88">
               <a:extLst>
                 <a:ext uri="{FF2B5EF4-FFF2-40B4-BE49-F238E27FC236}">
-                  <a16:creationId xmlns="" xmlns:a16="http://schemas.microsoft.com/office/drawing/2014/main" id="{8ABC8871-A512-4A6C-A03B-DF2DC9249CD8}"/>
+                  <a16:creationId xmlns:a16="http://schemas.microsoft.com/office/drawing/2014/main" xmlns="" id="{8ABC8871-A512-4A6C-A03B-DF2DC9249CD8}"/>
                 </a:ext>
               </a:extLst>
             </p:cNvPr>
@@ -51435,7 +51453,7 @@
             <p:cNvPr id="91" name="TextBox 90">
               <a:extLst>
                 <a:ext uri="{FF2B5EF4-FFF2-40B4-BE49-F238E27FC236}">
-                  <a16:creationId xmlns="" xmlns:a16="http://schemas.microsoft.com/office/drawing/2014/main" id="{C2668CA3-95F0-452A-8191-51335F3E5CCB}"/>
+                  <a16:creationId xmlns:a16="http://schemas.microsoft.com/office/drawing/2014/main" xmlns="" id="{C2668CA3-95F0-452A-8191-51335F3E5CCB}"/>
                 </a:ext>
               </a:extLst>
             </p:cNvPr>
@@ -51470,7 +51488,7 @@
             <p:cNvPr id="93" name="TextBox 92">
               <a:extLst>
                 <a:ext uri="{FF2B5EF4-FFF2-40B4-BE49-F238E27FC236}">
-                  <a16:creationId xmlns="" xmlns:a16="http://schemas.microsoft.com/office/drawing/2014/main" id="{B90863E0-39B8-41B6-BB76-854590501C00}"/>
+                  <a16:creationId xmlns:a16="http://schemas.microsoft.com/office/drawing/2014/main" xmlns="" id="{B90863E0-39B8-41B6-BB76-854590501C00}"/>
                 </a:ext>
               </a:extLst>
             </p:cNvPr>
@@ -51505,7 +51523,7 @@
             <p:cNvPr id="95" name="TextBox 94">
               <a:extLst>
                 <a:ext uri="{FF2B5EF4-FFF2-40B4-BE49-F238E27FC236}">
-                  <a16:creationId xmlns="" xmlns:a16="http://schemas.microsoft.com/office/drawing/2014/main" id="{FA3EC9C1-DF04-447E-BE7A-D0711A0A465D}"/>
+                  <a16:creationId xmlns:a16="http://schemas.microsoft.com/office/drawing/2014/main" xmlns="" id="{FA3EC9C1-DF04-447E-BE7A-D0711A0A465D}"/>
                 </a:ext>
               </a:extLst>
             </p:cNvPr>
@@ -51541,7 +51559,7 @@
           <p:cNvPr id="97" name="Straight Arrow Connector 96">
             <a:extLst>
               <a:ext uri="{FF2B5EF4-FFF2-40B4-BE49-F238E27FC236}">
-                <a16:creationId xmlns="" xmlns:a16="http://schemas.microsoft.com/office/drawing/2014/main" id="{5085EC88-50F7-44F9-BD80-25D281189A59}"/>
+                <a16:creationId xmlns:a16="http://schemas.microsoft.com/office/drawing/2014/main" xmlns="" id="{5085EC88-50F7-44F9-BD80-25D281189A59}"/>
               </a:ext>
             </a:extLst>
           </p:cNvPr>
@@ -51582,7 +51600,7 @@
           <p:cNvPr id="98" name="TextBox 97">
             <a:extLst>
               <a:ext uri="{FF2B5EF4-FFF2-40B4-BE49-F238E27FC236}">
-                <a16:creationId xmlns="" xmlns:a16="http://schemas.microsoft.com/office/drawing/2014/main" id="{AAAAF7E7-8BB5-4D93-B2E2-C7FF3123970D}"/>
+                <a16:creationId xmlns:a16="http://schemas.microsoft.com/office/drawing/2014/main" xmlns="" id="{AAAAF7E7-8BB5-4D93-B2E2-C7FF3123970D}"/>
               </a:ext>
             </a:extLst>
           </p:cNvPr>
@@ -51626,7 +51644,7 @@
           <p:cNvPr id="11" name="Title 10">
             <a:extLst>
               <a:ext uri="{FF2B5EF4-FFF2-40B4-BE49-F238E27FC236}">
-                <a16:creationId xmlns="" xmlns:a16="http://schemas.microsoft.com/office/drawing/2014/main" id="{5D716CC6-AEDB-4E66-AA57-30306BBED3CF}"/>
+                <a16:creationId xmlns:a16="http://schemas.microsoft.com/office/drawing/2014/main" xmlns="" id="{5D716CC6-AEDB-4E66-AA57-30306BBED3CF}"/>
               </a:ext>
             </a:extLst>
           </p:cNvPr>
@@ -51654,7 +51672,7 @@
           <p:cNvPr id="20" name="Rectangle 19">
             <a:extLst>
               <a:ext uri="{FF2B5EF4-FFF2-40B4-BE49-F238E27FC236}">
-                <a16:creationId xmlns="" xmlns:a16="http://schemas.microsoft.com/office/drawing/2014/main" id="{C4D3750B-1467-4D56-B511-C8709B8CE755}"/>
+                <a16:creationId xmlns:a16="http://schemas.microsoft.com/office/drawing/2014/main" xmlns="" id="{C4D3750B-1467-4D56-B511-C8709B8CE755}"/>
               </a:ext>
             </a:extLst>
           </p:cNvPr>
@@ -51727,7 +51745,7 @@
           <p:cNvPr id="25" name="Rectangle 24">
             <a:extLst>
               <a:ext uri="{FF2B5EF4-FFF2-40B4-BE49-F238E27FC236}">
-                <a16:creationId xmlns="" xmlns:a16="http://schemas.microsoft.com/office/drawing/2014/main" id="{93D3A638-59FE-473D-8406-F2C5387ACEBE}"/>
+                <a16:creationId xmlns:a16="http://schemas.microsoft.com/office/drawing/2014/main" xmlns="" id="{93D3A638-59FE-473D-8406-F2C5387ACEBE}"/>
               </a:ext>
             </a:extLst>
           </p:cNvPr>
@@ -51799,7 +51817,7 @@
           <p:cNvPr id="3" name="Content Placeholder 2">
             <a:extLst>
               <a:ext uri="{FF2B5EF4-FFF2-40B4-BE49-F238E27FC236}">
-                <a16:creationId xmlns="" xmlns:a16="http://schemas.microsoft.com/office/drawing/2014/main" id="{8C8251DB-B864-4811-9C26-61E44542ABC9}"/>
+                <a16:creationId xmlns:a16="http://schemas.microsoft.com/office/drawing/2014/main" xmlns="" id="{8C8251DB-B864-4811-9C26-61E44542ABC9}"/>
               </a:ext>
             </a:extLst>
           </p:cNvPr>
@@ -51867,7 +51885,7 @@
           <p:cNvPr id="29" name="TextBox 28">
             <a:extLst>
               <a:ext uri="{FF2B5EF4-FFF2-40B4-BE49-F238E27FC236}">
-                <a16:creationId xmlns="" xmlns:a16="http://schemas.microsoft.com/office/drawing/2014/main" id="{27AF2857-D8E8-48F2-AF92-0A08E3658135}"/>
+                <a16:creationId xmlns:a16="http://schemas.microsoft.com/office/drawing/2014/main" xmlns="" id="{27AF2857-D8E8-48F2-AF92-0A08E3658135}"/>
               </a:ext>
             </a:extLst>
           </p:cNvPr>
@@ -51904,7 +51922,7 @@
           <p:cNvPr id="59" name="Content Placeholder 2">
             <a:extLst>
               <a:ext uri="{FF2B5EF4-FFF2-40B4-BE49-F238E27FC236}">
-                <a16:creationId xmlns="" xmlns:a16="http://schemas.microsoft.com/office/drawing/2014/main" id="{15D42B6E-D6E3-40B3-9F62-84EA2B84FA3F}"/>
+                <a16:creationId xmlns:a16="http://schemas.microsoft.com/office/drawing/2014/main" xmlns="" id="{15D42B6E-D6E3-40B3-9F62-84EA2B84FA3F}"/>
               </a:ext>
             </a:extLst>
           </p:cNvPr>
@@ -52241,7 +52259,7 @@
           <p:cNvPr id="5" name="Title 4">
             <a:extLst>
               <a:ext uri="{FF2B5EF4-FFF2-40B4-BE49-F238E27FC236}">
-                <a16:creationId xmlns="" xmlns:a16="http://schemas.microsoft.com/office/drawing/2014/main" id="{A7B09D64-F886-4BA9-BD6E-62CCBB2C7D38}"/>
+                <a16:creationId xmlns:a16="http://schemas.microsoft.com/office/drawing/2014/main" xmlns="" id="{A7B09D64-F886-4BA9-BD6E-62CCBB2C7D38}"/>
               </a:ext>
             </a:extLst>
           </p:cNvPr>
@@ -52269,7 +52287,7 @@
           <p:cNvPr id="2" name="Content Placeholder 2">
             <a:extLst>
               <a:ext uri="{FF2B5EF4-FFF2-40B4-BE49-F238E27FC236}">
-                <a16:creationId xmlns="" xmlns:a16="http://schemas.microsoft.com/office/drawing/2014/main" id="{DB3E97E8-3FAF-4905-880D-ED607A7C0403}"/>
+                <a16:creationId xmlns:a16="http://schemas.microsoft.com/office/drawing/2014/main" xmlns="" id="{DB3E97E8-3FAF-4905-880D-ED607A7C0403}"/>
               </a:ext>
             </a:extLst>
           </p:cNvPr>
@@ -52546,7 +52564,7 @@
           <p:cNvPr id="4" name="TextBox 3">
             <a:extLst>
               <a:ext uri="{FF2B5EF4-FFF2-40B4-BE49-F238E27FC236}">
-                <a16:creationId xmlns="" xmlns:a16="http://schemas.microsoft.com/office/drawing/2014/main" id="{3F7061E8-99A2-41F1-839C-6D8FC0B517E6}"/>
+                <a16:creationId xmlns:a16="http://schemas.microsoft.com/office/drawing/2014/main" xmlns="" id="{3F7061E8-99A2-41F1-839C-6D8FC0B517E6}"/>
               </a:ext>
             </a:extLst>
           </p:cNvPr>
